--- a/Week 4 - Inputs and Outputs/PowerPoint Presentations/Week_4_Part_2_Inputs_and_Outputs.pptx
+++ b/Week 4 - Inputs and Outputs/PowerPoint Presentations/Week_4_Part_2_Inputs_and_Outputs.pptx
@@ -217,7 +217,7 @@
           <a:p>
             <a:fld id="{C0DB4203-FCE6-4DB9-8B82-6DDA69D645A0}" type="datetimeFigureOut">
               <a:rPr lang="en-ZA" smtClean="0"/>
-              <a:t>2023/05/09</a:t>
+              <a:t>23 May 2023</a:t>
             </a:fld>
             <a:endParaRPr lang="en-ZA"/>
           </a:p>
@@ -3670,7 +3670,7 @@
         </p:nvSpPr>
         <p:spPr>
           <a:xfrm>
-            <a:off x="423913" y="2820296"/>
+            <a:off x="423913" y="3014851"/>
             <a:ext cx="8229600" cy="1080000"/>
           </a:xfrm>
           <a:prstGeom prst="rect">
@@ -3803,7 +3803,7 @@
               <a:buNone/>
             </a:pPr>
             <a:r>
-              <a:rPr lang="en-ZA" sz="1500" b="1" dirty="0">
+              <a:rPr lang="en-ZA" sz="1600" b="1" dirty="0">
                 <a:effectLst/>
                 <a:latin typeface="Helvetica" panose="020B0604020202020204" pitchFamily="34" charset="0"/>
                 <a:ea typeface="Times New Roman" panose="02020603050405020304" pitchFamily="18" charset="0"/>
@@ -3811,7 +3811,7 @@
               </a:rPr>
               <a:t>          Now Try for Yourself!</a:t>
             </a:r>
-            <a:endParaRPr lang="en-ZA" sz="1500" b="1" dirty="0">
+            <a:endParaRPr lang="en-ZA" sz="1600" b="1" dirty="0">
               <a:latin typeface="Helvetica" panose="020B0604020202020204" pitchFamily="34" charset="0"/>
               <a:ea typeface="Times New Roman" panose="02020603050405020304" pitchFamily="18" charset="0"/>
               <a:cs typeface="Times New Roman" panose="02020603050405020304" pitchFamily="18" charset="0"/>
@@ -3831,7 +3831,7 @@
               <a:buNone/>
             </a:pPr>
             <a:r>
-              <a:rPr lang="en-ZA" sz="1600" dirty="0">
+              <a:rPr lang="en-ZA" sz="1800" dirty="0">
                 <a:effectLst/>
                 <a:latin typeface="Helvetica" panose="020B0604020202020204" pitchFamily="34" charset="0"/>
                 <a:ea typeface="Times New Roman" panose="02020603050405020304" pitchFamily="18" charset="0"/>
@@ -3840,7 +3840,7 @@
               <a:t>Using either the built in GUI or </a:t>
             </a:r>
             <a:r>
-              <a:rPr lang="en-ZA" sz="1600" dirty="0" err="1">
+              <a:rPr lang="en-ZA" sz="1800" dirty="0" err="1">
                 <a:effectLst/>
                 <a:latin typeface="Helvetica" panose="020B0604020202020204" pitchFamily="34" charset="0"/>
                 <a:ea typeface="Times New Roman" panose="02020603050405020304" pitchFamily="18" charset="0"/>
@@ -3850,7 +3850,7 @@
               <a:t>readtable</a:t>
             </a:r>
             <a:r>
-              <a:rPr lang="en-ZA" sz="1600" dirty="0">
+              <a:rPr lang="en-ZA" sz="1800" dirty="0">
                 <a:effectLst/>
                 <a:latin typeface="Helvetica" panose="020B0604020202020204" pitchFamily="34" charset="0"/>
                 <a:ea typeface="Times New Roman" panose="02020603050405020304" pitchFamily="18" charset="0"/>
@@ -3873,7 +3873,7 @@
               </a:tabLst>
             </a:pPr>
             <a:r>
-              <a:rPr lang="en-ZA" sz="1500" dirty="0">
+              <a:rPr lang="en-ZA" sz="1600" dirty="0">
                 <a:solidFill>
                   <a:srgbClr val="028009"/>
                 </a:solidFill>
@@ -3899,7 +3899,7 @@
               </a:tabLst>
             </a:pPr>
             <a:r>
-              <a:rPr lang="en-ZA" sz="1500" dirty="0">
+              <a:rPr lang="en-ZA" sz="1600" dirty="0">
                 <a:solidFill>
                   <a:srgbClr val="028009"/>
                 </a:solidFill>
@@ -3910,7 +3910,7 @@
               </a:rPr>
               <a:t>	%This example will vary depending on what values a student puts into their</a:t>
             </a:r>
-            <a:endParaRPr lang="en-ZA" sz="1500" dirty="0">
+            <a:endParaRPr lang="en-ZA" sz="1600" dirty="0">
               <a:effectLst/>
               <a:latin typeface="Consolas" panose="020B0609020204030204" pitchFamily="49" charset="0"/>
               <a:ea typeface="Times New Roman" panose="02020603050405020304" pitchFamily="18" charset="0"/>
@@ -3931,7 +3931,7 @@
               </a:tabLst>
             </a:pPr>
             <a:r>
-              <a:rPr lang="en-ZA" sz="1500" dirty="0">
+              <a:rPr lang="en-ZA" sz="1600" dirty="0">
                 <a:solidFill>
                   <a:srgbClr val="028009"/>
                 </a:solidFill>
@@ -3943,7 +3943,7 @@
               <a:t>	%excel file. It is important that students use the </a:t>
             </a:r>
             <a:r>
-              <a:rPr lang="en-ZA" sz="1500" dirty="0" err="1">
+              <a:rPr lang="en-ZA" sz="1600" dirty="0" err="1">
                 <a:solidFill>
                   <a:srgbClr val="028009"/>
                 </a:solidFill>
@@ -3955,7 +3955,7 @@
               <a:t>readtable</a:t>
             </a:r>
             <a:r>
-              <a:rPr lang="en-ZA" sz="1500" dirty="0">
+              <a:rPr lang="en-ZA" sz="1600" dirty="0">
                 <a:solidFill>
                   <a:srgbClr val="028009"/>
                 </a:solidFill>
@@ -3966,7 +3966,7 @@
               </a:rPr>
               <a:t> function or the GUI import data.</a:t>
             </a:r>
-            <a:endParaRPr lang="en-ZA" sz="1500" dirty="0">
+            <a:endParaRPr lang="en-ZA" sz="1600" dirty="0">
               <a:effectLst/>
               <a:latin typeface="Consolas" panose="020B0609020204030204" pitchFamily="49" charset="0"/>
               <a:ea typeface="Times New Roman" panose="02020603050405020304" pitchFamily="18" charset="0"/>
@@ -4260,7 +4260,7 @@
               <a:buNone/>
             </a:pPr>
             <a:r>
-              <a:rPr lang="en-ZA" sz="1500" dirty="0">
+              <a:rPr lang="en-ZA" sz="1600" dirty="0">
                 <a:effectLst/>
                 <a:latin typeface="Helvetica" panose="020B0604020202020204" pitchFamily="34" charset="0"/>
                 <a:ea typeface="Times New Roman" panose="02020603050405020304" pitchFamily="18" charset="0"/>
@@ -4283,7 +4283,7 @@
               <a:buNone/>
             </a:pPr>
             <a:r>
-              <a:rPr lang="en-ZA" sz="1500" dirty="0">
+              <a:rPr lang="en-ZA" sz="1600" dirty="0">
                 <a:effectLst/>
                 <a:latin typeface="Helvetica" panose="020B0604020202020204" pitchFamily="34" charset="0"/>
                 <a:ea typeface="Times New Roman" panose="02020603050405020304" pitchFamily="18" charset="0"/>
@@ -4305,7 +4305,8 @@
               </a:spcAft>
               <a:buNone/>
             </a:pPr>
-            <a:endParaRPr lang="en-ZA" sz="1500" dirty="0">
+            <a:endParaRPr lang="en-ZA" sz="1600" dirty="0">
+              <a:effectLst/>
               <a:latin typeface="Helvetica" panose="020B0604020202020204" pitchFamily="34" charset="0"/>
               <a:ea typeface="Times New Roman" panose="02020603050405020304" pitchFamily="18" charset="0"/>
               <a:cs typeface="Times New Roman" panose="02020603050405020304" pitchFamily="18" charset="0"/>
@@ -4324,7 +4325,7 @@
               </a:spcAft>
               <a:buNone/>
             </a:pPr>
-            <a:endParaRPr lang="en-ZA" sz="1500" dirty="0">
+            <a:endParaRPr lang="en-ZA" sz="500" dirty="0">
               <a:effectLst/>
               <a:latin typeface="Helvetica" panose="020B0604020202020204" pitchFamily="34" charset="0"/>
               <a:ea typeface="Times New Roman" panose="02020603050405020304" pitchFamily="18" charset="0"/>
@@ -4345,7 +4346,7 @@
               <a:buNone/>
             </a:pPr>
             <a:r>
-              <a:rPr lang="en-ZA" sz="1500" dirty="0">
+              <a:rPr lang="en-ZA" sz="1600" dirty="0">
                 <a:effectLst/>
                 <a:latin typeface="Helvetica" panose="020B0604020202020204" pitchFamily="34" charset="0"/>
                 <a:ea typeface="Times New Roman" panose="02020603050405020304" pitchFamily="18" charset="0"/>
@@ -4354,7 +4355,7 @@
               <a:t>These interactive options allow you to perform different data manipulation function such as  </a:t>
             </a:r>
             <a:r>
-              <a:rPr lang="en-ZA" sz="1500" dirty="0" err="1">
+              <a:rPr lang="en-ZA" sz="1600" dirty="0" err="1">
                 <a:effectLst/>
                 <a:latin typeface="Helvetica" panose="020B0604020202020204" pitchFamily="34" charset="0"/>
                 <a:ea typeface="Times New Roman" panose="02020603050405020304" pitchFamily="18" charset="0"/>
@@ -4363,7 +4364,7 @@
               <a:t>preprocessing</a:t>
             </a:r>
             <a:r>
-              <a:rPr lang="en-ZA" sz="1500" dirty="0">
+              <a:rPr lang="en-ZA" sz="1600" dirty="0">
                 <a:effectLst/>
                 <a:latin typeface="Helvetica" panose="020B0604020202020204" pitchFamily="34" charset="0"/>
                 <a:ea typeface="Times New Roman" panose="02020603050405020304" pitchFamily="18" charset="0"/>
@@ -4371,51 +4372,7 @@
               </a:rPr>
               <a:t> and visualize data interactively on  a Live Editor  without the need for calling functions or writing code. In the example below, the "Create Plot" functionality is used to interactively plot a visualisation of a specified dataset that has been loaded. The different section in the functionality allow you to select the input data that has been loaded onto the workspace, chose a suitable visualisation and then a plot a display of the dataset.</a:t>
             </a:r>
-            <a:endParaRPr kumimoji="0" lang="en-ZA" altLang="en-US" sz="1500" b="0" i="0" u="none" strike="noStrike" cap="none" normalizeH="0" baseline="0" dirty="0">
-              <a:ln>
-                <a:noFill/>
-              </a:ln>
-              <a:solidFill>
-                <a:schemeClr val="tx1"/>
-              </a:solidFill>
-              <a:effectLst/>
-              <a:latin typeface="Arial" panose="020B0604020202020204" pitchFamily="34" charset="0"/>
-            </a:endParaRPr>
-          </a:p>
-          <a:p>
-            <a:pPr marL="0" indent="0" algn="just">
-              <a:lnSpc>
-                <a:spcPct val="100000"/>
-              </a:lnSpc>
-              <a:spcBef>
-                <a:spcPts val="1050"/>
-              </a:spcBef>
-              <a:spcAft>
-                <a:spcPts val="1050"/>
-              </a:spcAft>
-              <a:buNone/>
-            </a:pPr>
-            <a:endParaRPr lang="en-ZA" sz="1500" dirty="0">
-              <a:effectLst/>
-              <a:latin typeface="Helvetica" panose="020B0604020202020204" pitchFamily="34" charset="0"/>
-              <a:ea typeface="Times New Roman" panose="02020603050405020304" pitchFamily="18" charset="0"/>
-              <a:cs typeface="Times New Roman" panose="02020603050405020304" pitchFamily="18" charset="0"/>
-            </a:endParaRPr>
-          </a:p>
-          <a:p>
-            <a:pPr marL="0" indent="0" algn="just">
-              <a:lnSpc>
-                <a:spcPct val="100000"/>
-              </a:lnSpc>
-              <a:spcBef>
-                <a:spcPts val="1050"/>
-              </a:spcBef>
-              <a:spcAft>
-                <a:spcPts val="1050"/>
-              </a:spcAft>
-              <a:buNone/>
-            </a:pPr>
-            <a:endParaRPr lang="en-ZA" sz="1500" dirty="0">
+            <a:endParaRPr lang="en-ZA" sz="1600" dirty="0">
               <a:effectLst/>
               <a:latin typeface="Consolas" panose="020B0609020204030204" pitchFamily="49" charset="0"/>
               <a:ea typeface="Times New Roman" panose="02020603050405020304" pitchFamily="18" charset="0"/>
@@ -4543,7 +4500,7 @@
         </p:blipFill>
         <p:spPr bwMode="auto">
           <a:xfrm>
-            <a:off x="613356" y="2736333"/>
+            <a:off x="652267" y="3096256"/>
             <a:ext cx="493026" cy="468000"/>
           </a:xfrm>
           <a:prstGeom prst="rect">
@@ -4589,7 +4546,7 @@
         </p:blipFill>
         <p:spPr>
           <a:xfrm>
-            <a:off x="390600" y="3286011"/>
+            <a:off x="390600" y="3636211"/>
             <a:ext cx="8362800" cy="941268"/>
           </a:xfrm>
           <a:prstGeom prst="rect">
@@ -4681,7 +4638,7 @@
         </p:nvSpPr>
         <p:spPr>
           <a:xfrm>
-            <a:off x="404863" y="1858271"/>
+            <a:off x="404863" y="1955551"/>
             <a:ext cx="8229600" cy="2304000"/>
           </a:xfrm>
           <a:prstGeom prst="rect">
@@ -4820,7 +4777,7 @@
               <a:buNone/>
             </a:pPr>
             <a:r>
-              <a:rPr lang="en-ZA" sz="1500" dirty="0">
+              <a:rPr lang="en-ZA" sz="1600" dirty="0">
                 <a:effectLst/>
                 <a:latin typeface="Helvetica" panose="020B0604020202020204" pitchFamily="34" charset="0"/>
                 <a:ea typeface="Times New Roman" panose="02020603050405020304" pitchFamily="18" charset="0"/>
@@ -4829,7 +4786,7 @@
               <a:t>A full set of the code used to execute this process can be seen by clicking on the triangle at the bottom of the functionality.</a:t>
             </a:r>
             <a:r>
-              <a:rPr lang="en-ZA" sz="1500" b="1" dirty="0">
+              <a:rPr lang="en-ZA" sz="1600" b="1" dirty="0">
                 <a:effectLst/>
                 <a:latin typeface="Helvetica" panose="020B0604020202020204" pitchFamily="34" charset="0"/>
                 <a:ea typeface="Times New Roman" panose="02020603050405020304" pitchFamily="18" charset="0"/>
@@ -4852,7 +4809,7 @@
               </a:tabLst>
             </a:pPr>
             <a:r>
-              <a:rPr lang="en-ZA" sz="1500" dirty="0">
+              <a:rPr lang="en-ZA" sz="1600" dirty="0">
                 <a:solidFill>
                   <a:srgbClr val="028009"/>
                 </a:solidFill>
@@ -4864,7 +4821,7 @@
               <a:t>% Create scatter of </a:t>
             </a:r>
             <a:r>
-              <a:rPr lang="en-ZA" sz="1500" dirty="0" err="1">
+              <a:rPr lang="en-ZA" sz="1600" dirty="0" err="1">
                 <a:solidFill>
                   <a:srgbClr val="028009"/>
                 </a:solidFill>
@@ -4876,7 +4833,7 @@
               <a:t>T.Height</a:t>
             </a:r>
             <a:r>
-              <a:rPr lang="en-ZA" sz="1500" dirty="0">
+              <a:rPr lang="en-ZA" sz="1600" dirty="0">
                 <a:solidFill>
                   <a:srgbClr val="028009"/>
                 </a:solidFill>
@@ -4888,7 +4845,7 @@
               <a:t> and </a:t>
             </a:r>
             <a:r>
-              <a:rPr lang="en-ZA" sz="1500" dirty="0" err="1">
+              <a:rPr lang="en-ZA" sz="1600" dirty="0" err="1">
                 <a:solidFill>
                   <a:srgbClr val="028009"/>
                 </a:solidFill>
@@ -4899,7 +4856,7 @@
               </a:rPr>
               <a:t>T.Weight</a:t>
             </a:r>
-            <a:endParaRPr lang="en-ZA" sz="1500" dirty="0">
+            <a:endParaRPr lang="en-ZA" sz="1600" dirty="0">
               <a:effectLst/>
               <a:latin typeface="Consolas" panose="020B0609020204030204" pitchFamily="49" charset="0"/>
               <a:ea typeface="Times New Roman" panose="02020603050405020304" pitchFamily="18" charset="0"/>
@@ -4917,7 +4874,7 @@
               </a:tabLst>
             </a:pPr>
             <a:r>
-              <a:rPr lang="en-ZA" sz="1500" dirty="0">
+              <a:rPr lang="en-ZA" sz="1600" dirty="0">
                 <a:solidFill>
                   <a:srgbClr val="000000"/>
                 </a:solidFill>
@@ -4929,7 +4886,7 @@
               <a:t>s = scatter(</a:t>
             </a:r>
             <a:r>
-              <a:rPr lang="en-ZA" sz="1500" dirty="0" err="1">
+              <a:rPr lang="en-ZA" sz="1600" dirty="0" err="1">
                 <a:solidFill>
                   <a:srgbClr val="000000"/>
                 </a:solidFill>
@@ -4941,7 +4898,7 @@
               <a:t>T.Height,T.Weight,</a:t>
             </a:r>
             <a:r>
-              <a:rPr lang="en-ZA" sz="1500" dirty="0" err="1">
+              <a:rPr lang="en-ZA" sz="1600" dirty="0" err="1">
                 <a:solidFill>
                   <a:srgbClr val="AA04F9"/>
                 </a:solidFill>
@@ -4953,7 +4910,7 @@
               <a:t>'Marker</a:t>
             </a:r>
             <a:r>
-              <a:rPr lang="en-ZA" sz="1500" dirty="0">
+              <a:rPr lang="en-ZA" sz="1600" dirty="0">
                 <a:solidFill>
                   <a:srgbClr val="AA04F9"/>
                 </a:solidFill>
@@ -4965,7 +4922,7 @@
               <a:t>'</a:t>
             </a:r>
             <a:r>
-              <a:rPr lang="en-ZA" sz="1500" dirty="0">
+              <a:rPr lang="en-ZA" sz="1600" dirty="0">
                 <a:solidFill>
                   <a:srgbClr val="000000"/>
                 </a:solidFill>
@@ -4977,7 +4934,7 @@
               <a:t>,</a:t>
             </a:r>
             <a:r>
-              <a:rPr lang="en-ZA" sz="1500" dirty="0">
+              <a:rPr lang="en-ZA" sz="1600" dirty="0">
                 <a:solidFill>
                   <a:srgbClr val="AA04F9"/>
                 </a:solidFill>
@@ -4989,7 +4946,7 @@
               <a:t>'*'</a:t>
             </a:r>
             <a:r>
-              <a:rPr lang="en-ZA" sz="1500" dirty="0">
+              <a:rPr lang="en-ZA" sz="1600" dirty="0">
                 <a:solidFill>
                   <a:srgbClr val="000000"/>
                 </a:solidFill>
@@ -5001,7 +4958,7 @@
               <a:t>,</a:t>
             </a:r>
             <a:r>
-              <a:rPr lang="en-ZA" sz="1500" dirty="0">
+              <a:rPr lang="en-ZA" sz="1600" dirty="0">
                 <a:solidFill>
                   <a:srgbClr val="AA04F9"/>
                 </a:solidFill>
@@ -5013,7 +4970,7 @@
               <a:t>'</a:t>
             </a:r>
             <a:r>
-              <a:rPr lang="en-ZA" sz="1500" dirty="0" err="1">
+              <a:rPr lang="en-ZA" sz="1600" dirty="0" err="1">
                 <a:solidFill>
                   <a:srgbClr val="AA04F9"/>
                 </a:solidFill>
@@ -5025,7 +4982,7 @@
               <a:t>DisplayName'</a:t>
             </a:r>
             <a:r>
-              <a:rPr lang="en-ZA" sz="1500" dirty="0" err="1">
+              <a:rPr lang="en-ZA" sz="1600" dirty="0" err="1">
                 <a:solidFill>
                   <a:srgbClr val="000000"/>
                 </a:solidFill>
@@ -5037,7 +4994,7 @@
               <a:t>,</a:t>
             </a:r>
             <a:r>
-              <a:rPr lang="en-ZA" sz="1500" dirty="0" err="1">
+              <a:rPr lang="en-ZA" sz="1600" dirty="0" err="1">
                 <a:solidFill>
                   <a:srgbClr val="AA04F9"/>
                 </a:solidFill>
@@ -5049,7 +5006,7 @@
               <a:t>'Weight</a:t>
             </a:r>
             <a:r>
-              <a:rPr lang="en-ZA" sz="1500" dirty="0">
+              <a:rPr lang="en-ZA" sz="1600" dirty="0">
                 <a:solidFill>
                   <a:srgbClr val="AA04F9"/>
                 </a:solidFill>
@@ -5061,7 +5018,7 @@
               <a:t>'</a:t>
             </a:r>
             <a:r>
-              <a:rPr lang="en-ZA" sz="1500" dirty="0">
+              <a:rPr lang="en-ZA" sz="1600" dirty="0">
                 <a:solidFill>
                   <a:srgbClr val="000000"/>
                 </a:solidFill>
@@ -5073,7 +5030,7 @@
               <a:t>);</a:t>
             </a:r>
             <a:r>
-              <a:rPr lang="en-ZA" sz="1500" dirty="0">
+              <a:rPr lang="en-ZA" sz="1600" dirty="0">
                 <a:effectLst/>
                 <a:latin typeface="Consolas" panose="020B0609020204030204" pitchFamily="49" charset="0"/>
                 <a:ea typeface="Times New Roman" panose="02020603050405020304" pitchFamily="18" charset="0"/>
@@ -5093,7 +5050,7 @@
               </a:tabLst>
             </a:pPr>
             <a:r>
-              <a:rPr lang="en-ZA" sz="1500" dirty="0">
+              <a:rPr lang="en-ZA" sz="1600" dirty="0">
                 <a:solidFill>
                   <a:srgbClr val="028009"/>
                 </a:solidFill>
@@ -5105,7 +5062,7 @@
               <a:t>% Add </a:t>
             </a:r>
             <a:r>
-              <a:rPr lang="en-ZA" sz="1500" dirty="0" err="1">
+              <a:rPr lang="en-ZA" sz="1600" dirty="0" err="1">
                 <a:solidFill>
                   <a:srgbClr val="028009"/>
                 </a:solidFill>
@@ -5117,7 +5074,7 @@
               <a:t>xlabel</a:t>
             </a:r>
             <a:r>
-              <a:rPr lang="en-ZA" sz="1500" dirty="0">
+              <a:rPr lang="en-ZA" sz="1600" dirty="0">
                 <a:solidFill>
                   <a:srgbClr val="028009"/>
                 </a:solidFill>
@@ -5129,7 +5086,7 @@
               <a:t>, </a:t>
             </a:r>
             <a:r>
-              <a:rPr lang="en-ZA" sz="1500" dirty="0" err="1">
+              <a:rPr lang="en-ZA" sz="1600" dirty="0" err="1">
                 <a:solidFill>
                   <a:srgbClr val="028009"/>
                 </a:solidFill>
@@ -5141,7 +5098,7 @@
               <a:t>ylabel</a:t>
             </a:r>
             <a:r>
-              <a:rPr lang="en-ZA" sz="1500" dirty="0">
+              <a:rPr lang="en-ZA" sz="1600" dirty="0">
                 <a:solidFill>
                   <a:srgbClr val="028009"/>
                 </a:solidFill>
@@ -5152,7 +5109,7 @@
               </a:rPr>
               <a:t>, title, and legend</a:t>
             </a:r>
-            <a:endParaRPr lang="en-ZA" sz="1500" dirty="0">
+            <a:endParaRPr lang="en-ZA" sz="1600" dirty="0">
               <a:effectLst/>
               <a:latin typeface="Consolas" panose="020B0609020204030204" pitchFamily="49" charset="0"/>
               <a:ea typeface="Times New Roman" panose="02020603050405020304" pitchFamily="18" charset="0"/>
@@ -5170,7 +5127,7 @@
               </a:tabLst>
             </a:pPr>
             <a:r>
-              <a:rPr lang="en-ZA" sz="1500" dirty="0" err="1">
+              <a:rPr lang="en-ZA" sz="1600" dirty="0" err="1">
                 <a:solidFill>
                   <a:srgbClr val="000000"/>
                 </a:solidFill>
@@ -5182,7 +5139,7 @@
               <a:t>xlabel</a:t>
             </a:r>
             <a:r>
-              <a:rPr lang="en-ZA" sz="1500" dirty="0">
+              <a:rPr lang="en-ZA" sz="1600" dirty="0">
                 <a:solidFill>
                   <a:srgbClr val="000000"/>
                 </a:solidFill>
@@ -5194,7 +5151,7 @@
               <a:t>(</a:t>
             </a:r>
             <a:r>
-              <a:rPr lang="en-ZA" sz="1500" dirty="0">
+              <a:rPr lang="en-ZA" sz="1600" dirty="0">
                 <a:solidFill>
                   <a:srgbClr val="AA04F9"/>
                 </a:solidFill>
@@ -5206,7 +5163,7 @@
               <a:t>'Height'</a:t>
             </a:r>
             <a:r>
-              <a:rPr lang="en-ZA" sz="1500" dirty="0">
+              <a:rPr lang="en-ZA" sz="1600" dirty="0">
                 <a:solidFill>
                   <a:srgbClr val="000000"/>
                 </a:solidFill>
@@ -5217,7 +5174,7 @@
               </a:rPr>
               <a:t>)</a:t>
             </a:r>
-            <a:endParaRPr lang="en-ZA" sz="1500" dirty="0">
+            <a:endParaRPr lang="en-ZA" sz="1600" dirty="0">
               <a:effectLst/>
               <a:latin typeface="Consolas" panose="020B0609020204030204" pitchFamily="49" charset="0"/>
               <a:ea typeface="Times New Roman" panose="02020603050405020304" pitchFamily="18" charset="0"/>
@@ -5235,7 +5192,7 @@
               </a:tabLst>
             </a:pPr>
             <a:r>
-              <a:rPr lang="en-ZA" sz="1500" dirty="0" err="1">
+              <a:rPr lang="en-ZA" sz="1600" dirty="0" err="1">
                 <a:solidFill>
                   <a:srgbClr val="000000"/>
                 </a:solidFill>
@@ -5247,7 +5204,7 @@
               <a:t>ylabel</a:t>
             </a:r>
             <a:r>
-              <a:rPr lang="en-ZA" sz="1500" dirty="0">
+              <a:rPr lang="en-ZA" sz="1600" dirty="0">
                 <a:solidFill>
                   <a:srgbClr val="000000"/>
                 </a:solidFill>
@@ -5259,7 +5216,7 @@
               <a:t>(</a:t>
             </a:r>
             <a:r>
-              <a:rPr lang="en-ZA" sz="1500" dirty="0">
+              <a:rPr lang="en-ZA" sz="1600" dirty="0">
                 <a:solidFill>
                   <a:srgbClr val="AA04F9"/>
                 </a:solidFill>
@@ -5271,7 +5228,7 @@
               <a:t>'Weight'</a:t>
             </a:r>
             <a:r>
-              <a:rPr lang="en-ZA" sz="1500" dirty="0">
+              <a:rPr lang="en-ZA" sz="1600" dirty="0">
                 <a:solidFill>
                   <a:srgbClr val="000000"/>
                 </a:solidFill>
@@ -5282,7 +5239,7 @@
               </a:rPr>
               <a:t>)</a:t>
             </a:r>
-            <a:endParaRPr lang="en-ZA" sz="1500" dirty="0">
+            <a:endParaRPr lang="en-ZA" sz="1600" dirty="0">
               <a:effectLst/>
               <a:latin typeface="Consolas" panose="020B0609020204030204" pitchFamily="49" charset="0"/>
               <a:ea typeface="Times New Roman" panose="02020603050405020304" pitchFamily="18" charset="0"/>
@@ -5303,7 +5260,7 @@
               </a:tabLst>
             </a:pPr>
             <a:r>
-              <a:rPr lang="en-ZA" sz="1500" dirty="0">
+              <a:rPr lang="en-ZA" sz="1600" dirty="0">
                 <a:solidFill>
                   <a:srgbClr val="000000"/>
                 </a:solidFill>
@@ -5315,7 +5272,7 @@
               <a:t>title(</a:t>
             </a:r>
             <a:r>
-              <a:rPr lang="en-ZA" sz="1500" dirty="0">
+              <a:rPr lang="en-ZA" sz="1600" dirty="0">
                 <a:solidFill>
                   <a:srgbClr val="AA04F9"/>
                 </a:solidFill>
@@ -5327,7 +5284,7 @@
               <a:t>'Height vs. Weight’</a:t>
             </a:r>
             <a:r>
-              <a:rPr lang="en-ZA" sz="1500" dirty="0">
+              <a:rPr lang="en-ZA" sz="1600" dirty="0">
                 <a:solidFill>
                   <a:srgbClr val="000000"/>
                 </a:solidFill>
@@ -5338,7 +5295,7 @@
               </a:rPr>
               <a:t>)</a:t>
             </a:r>
-            <a:endParaRPr lang="en-ZA" sz="1500" dirty="0">
+            <a:endParaRPr lang="en-ZA" sz="1600" dirty="0">
               <a:solidFill>
                 <a:srgbClr val="000000"/>
               </a:solidFill>
@@ -5361,7 +5318,7 @@
               </a:tabLst>
             </a:pPr>
             <a:r>
-              <a:rPr lang="en-ZA" sz="1500" dirty="0">
+              <a:rPr lang="en-ZA" sz="1600" dirty="0">
                 <a:effectLst/>
                 <a:latin typeface="Consolas" panose="020B0609020204030204" pitchFamily="49" charset="0"/>
                 <a:ea typeface="Times New Roman" panose="02020603050405020304" pitchFamily="18" charset="0"/>
@@ -5369,7 +5326,7 @@
               </a:rPr>
               <a:t>legend</a:t>
             </a:r>
-            <a:endParaRPr lang="en-ZA" sz="1500" b="1" dirty="0">
+            <a:endParaRPr lang="en-ZA" sz="1600" b="1" dirty="0">
               <a:effectLst/>
               <a:latin typeface="Consolas" panose="020B0609020204030204" pitchFamily="49" charset="0"/>
               <a:ea typeface="Times New Roman" panose="02020603050405020304" pitchFamily="18" charset="0"/>
@@ -5683,7 +5640,7 @@
                 <a:spcPct val="100000"/>
               </a:lnSpc>
               <a:spcBef>
-                <a:spcPts val="1050"/>
+                <a:spcPts val="0"/>
               </a:spcBef>
               <a:spcAft>
                 <a:spcPts val="1050"/>
@@ -5712,7 +5669,7 @@
                 <a:spcPct val="100000"/>
               </a:lnSpc>
               <a:spcBef>
-                <a:spcPts val="1050"/>
+                <a:spcPts val="0"/>
               </a:spcBef>
               <a:spcAft>
                 <a:spcPts val="1050"/>
@@ -5720,7 +5677,7 @@
               <a:buNone/>
             </a:pPr>
             <a:r>
-              <a:rPr lang="en-ZA" sz="1500" dirty="0">
+              <a:rPr lang="en-ZA" sz="1600" dirty="0">
                 <a:effectLst/>
                 <a:latin typeface="Helvetica" panose="020B0604020202020204" pitchFamily="34" charset="0"/>
                 <a:ea typeface="Times New Roman" panose="02020603050405020304" pitchFamily="18" charset="0"/>
@@ -5729,7 +5686,7 @@
               <a:t>Using the interactive live editor, investigate the data </a:t>
             </a:r>
             <a:r>
-              <a:rPr lang="en-ZA" sz="1500" dirty="0" err="1">
+              <a:rPr lang="en-ZA" sz="1600" dirty="0" err="1">
                 <a:effectLst/>
                 <a:latin typeface="Helvetica" panose="020B0604020202020204" pitchFamily="34" charset="0"/>
                 <a:ea typeface="Times New Roman" panose="02020603050405020304" pitchFamily="18" charset="0"/>
@@ -5738,7 +5695,7 @@
               <a:t>preprocessing</a:t>
             </a:r>
             <a:r>
-              <a:rPr lang="en-ZA" sz="1500" dirty="0">
+              <a:rPr lang="en-ZA" sz="1600" dirty="0">
                 <a:effectLst/>
                 <a:latin typeface="Helvetica" panose="020B0604020202020204" pitchFamily="34" charset="0"/>
                 <a:ea typeface="Times New Roman" panose="02020603050405020304" pitchFamily="18" charset="0"/>
@@ -5747,7 +5704,7 @@
               <a:t> options and use the appropriate functionality to normalize the data in the "myExampleTable.xlsx" dataset. Use the space below to document the process and the results obtained.</a:t>
             </a:r>
             <a:r>
-              <a:rPr lang="en-ZA" sz="1500" b="1" dirty="0">
+              <a:rPr lang="en-ZA" sz="1600" b="1" dirty="0">
                 <a:effectLst/>
                 <a:latin typeface="Helvetica" panose="020B0604020202020204" pitchFamily="34" charset="0"/>
                 <a:ea typeface="Times New Roman" panose="02020603050405020304" pitchFamily="18" charset="0"/>
@@ -6821,7 +6778,7 @@
               </a:tabLst>
             </a:pPr>
             <a:r>
-              <a:rPr lang="en-ZA" sz="1500" dirty="0" err="1">
+              <a:rPr lang="en-ZA" sz="1600" dirty="0" err="1">
                 <a:solidFill>
                   <a:srgbClr val="000000"/>
                 </a:solidFill>
@@ -6832,7 +6789,7 @@
               </a:rPr>
               <a:t>nexttile</a:t>
             </a:r>
-            <a:endParaRPr lang="en-ZA" sz="1500" dirty="0">
+            <a:endParaRPr lang="en-ZA" sz="1600" dirty="0">
               <a:effectLst/>
               <a:latin typeface="Consolas" panose="020B0609020204030204" pitchFamily="49" charset="0"/>
               <a:ea typeface="Times New Roman" panose="02020603050405020304" pitchFamily="18" charset="0"/>
@@ -6850,7 +6807,7 @@
               </a:tabLst>
             </a:pPr>
             <a:r>
-              <a:rPr lang="en-ZA" sz="1500" dirty="0">
+              <a:rPr lang="en-ZA" sz="1600" dirty="0">
                 <a:solidFill>
                   <a:srgbClr val="000000"/>
                 </a:solidFill>
@@ -6862,7 +6819,7 @@
               <a:t>plot(newTable2.Age,</a:t>
             </a:r>
             <a:r>
-              <a:rPr lang="en-ZA" sz="1500" dirty="0">
+              <a:rPr lang="en-ZA" sz="1600" dirty="0">
                 <a:solidFill>
                   <a:srgbClr val="AA04F9"/>
                 </a:solidFill>
@@ -6874,7 +6831,7 @@
               <a:t>"Color"</a:t>
             </a:r>
             <a:r>
-              <a:rPr lang="en-ZA" sz="1500" dirty="0">
+              <a:rPr lang="en-ZA" sz="1600" dirty="0">
                 <a:solidFill>
                   <a:srgbClr val="000000"/>
                 </a:solidFill>
@@ -6886,7 +6843,7 @@
               <a:t>,[0 114 189]/255,</a:t>
             </a:r>
             <a:r>
-              <a:rPr lang="en-ZA" sz="1500" dirty="0">
+              <a:rPr lang="en-ZA" sz="1600" dirty="0">
                 <a:solidFill>
                   <a:srgbClr val="AA04F9"/>
                 </a:solidFill>
@@ -6898,7 +6855,7 @@
               <a:t>"LineWidth"</a:t>
             </a:r>
             <a:r>
-              <a:rPr lang="en-ZA" sz="1500" dirty="0">
+              <a:rPr lang="en-ZA" sz="1600" dirty="0">
                 <a:solidFill>
                   <a:srgbClr val="000000"/>
                 </a:solidFill>
@@ -6910,7 +6867,7 @@
               <a:t>,1.5,</a:t>
             </a:r>
             <a:r>
-              <a:rPr lang="en-ZA" sz="1500" dirty="0">
+              <a:rPr lang="en-ZA" sz="1600" dirty="0">
                 <a:solidFill>
                   <a:srgbClr val="0E00FF"/>
                 </a:solidFill>
@@ -6921,7 +6878,7 @@
               </a:rPr>
               <a:t>...</a:t>
             </a:r>
-            <a:endParaRPr lang="en-ZA" sz="1500" dirty="0">
+            <a:endParaRPr lang="en-ZA" sz="1600" dirty="0">
               <a:effectLst/>
               <a:latin typeface="Consolas" panose="020B0609020204030204" pitchFamily="49" charset="0"/>
               <a:ea typeface="Times New Roman" panose="02020603050405020304" pitchFamily="18" charset="0"/>
@@ -6939,7 +6896,7 @@
               </a:tabLst>
             </a:pPr>
             <a:r>
-              <a:rPr lang="en-ZA" sz="1500" dirty="0">
+              <a:rPr lang="en-ZA" sz="1600" dirty="0">
                 <a:solidFill>
                   <a:srgbClr val="000000"/>
                 </a:solidFill>
@@ -6951,7 +6908,7 @@
               <a:t>    </a:t>
             </a:r>
             <a:r>
-              <a:rPr lang="en-ZA" sz="1500" dirty="0">
+              <a:rPr lang="en-ZA" sz="1600" dirty="0">
                 <a:solidFill>
                   <a:srgbClr val="AA04F9"/>
                 </a:solidFill>
@@ -6963,7 +6920,7 @@
               <a:t>"</a:t>
             </a:r>
             <a:r>
-              <a:rPr lang="en-ZA" sz="1500" dirty="0" err="1">
+              <a:rPr lang="en-ZA" sz="1600" dirty="0" err="1">
                 <a:solidFill>
                   <a:srgbClr val="AA04F9"/>
                 </a:solidFill>
@@ -6975,7 +6932,7 @@
               <a:t>DisplayName"</a:t>
             </a:r>
             <a:r>
-              <a:rPr lang="en-ZA" sz="1500" dirty="0" err="1">
+              <a:rPr lang="en-ZA" sz="1600" dirty="0" err="1">
                 <a:solidFill>
                   <a:srgbClr val="000000"/>
                 </a:solidFill>
@@ -6987,7 +6944,7 @@
               <a:t>,</a:t>
             </a:r>
             <a:r>
-              <a:rPr lang="en-ZA" sz="1500" dirty="0" err="1">
+              <a:rPr lang="en-ZA" sz="1600" dirty="0" err="1">
                 <a:solidFill>
                   <a:srgbClr val="AA04F9"/>
                 </a:solidFill>
@@ -6999,7 +6956,7 @@
               <a:t>"Normalized</a:t>
             </a:r>
             <a:r>
-              <a:rPr lang="en-ZA" sz="1500" dirty="0">
+              <a:rPr lang="en-ZA" sz="1600" dirty="0">
                 <a:solidFill>
                   <a:srgbClr val="AA04F9"/>
                 </a:solidFill>
@@ -7011,7 +6968,7 @@
               <a:t> data"</a:t>
             </a:r>
             <a:r>
-              <a:rPr lang="en-ZA" sz="1500" dirty="0">
+              <a:rPr lang="en-ZA" sz="1600" dirty="0">
                 <a:solidFill>
                   <a:srgbClr val="000000"/>
                 </a:solidFill>
@@ -7022,7 +6979,7 @@
               </a:rPr>
               <a:t>)</a:t>
             </a:r>
-            <a:endParaRPr lang="en-ZA" sz="1500" dirty="0">
+            <a:endParaRPr lang="en-ZA" sz="1600" dirty="0">
               <a:effectLst/>
               <a:latin typeface="Consolas" panose="020B0609020204030204" pitchFamily="49" charset="0"/>
               <a:ea typeface="Times New Roman" panose="02020603050405020304" pitchFamily="18" charset="0"/>
@@ -7040,7 +6997,7 @@
               </a:tabLst>
             </a:pPr>
             <a:r>
-              <a:rPr lang="en-ZA" sz="1500" dirty="0">
+              <a:rPr lang="en-ZA" sz="1600" dirty="0">
                 <a:solidFill>
                   <a:srgbClr val="000000"/>
                 </a:solidFill>
@@ -7051,7 +7008,7 @@
               </a:rPr>
               <a:t>legend</a:t>
             </a:r>
-            <a:endParaRPr lang="en-ZA" sz="1500" dirty="0">
+            <a:endParaRPr lang="en-ZA" sz="1600" dirty="0">
               <a:effectLst/>
               <a:latin typeface="Consolas" panose="020B0609020204030204" pitchFamily="49" charset="0"/>
               <a:ea typeface="Times New Roman" panose="02020603050405020304" pitchFamily="18" charset="0"/>
@@ -7072,7 +7029,7 @@
               </a:tabLst>
             </a:pPr>
             <a:r>
-              <a:rPr lang="en-ZA" sz="1500" dirty="0" err="1">
+              <a:rPr lang="en-ZA" sz="1600" dirty="0" err="1">
                 <a:solidFill>
                   <a:srgbClr val="000000"/>
                 </a:solidFill>
@@ -7084,7 +7041,7 @@
               <a:t>ylabel</a:t>
             </a:r>
             <a:r>
-              <a:rPr lang="en-ZA" sz="1500" dirty="0">
+              <a:rPr lang="en-ZA" sz="1600" dirty="0">
                 <a:solidFill>
                   <a:srgbClr val="000000"/>
                 </a:solidFill>
@@ -7096,7 +7053,7 @@
               <a:t>(</a:t>
             </a:r>
             <a:r>
-              <a:rPr lang="en-ZA" sz="1500" dirty="0">
+              <a:rPr lang="en-ZA" sz="1600" dirty="0">
                 <a:solidFill>
                   <a:srgbClr val="AA04F9"/>
                 </a:solidFill>
@@ -7108,7 +7065,7 @@
               <a:t>"Age"</a:t>
             </a:r>
             <a:r>
-              <a:rPr lang="en-ZA" sz="1500" dirty="0">
+              <a:rPr lang="en-ZA" sz="1600" dirty="0">
                 <a:solidFill>
                   <a:srgbClr val="000000"/>
                 </a:solidFill>
@@ -7119,7 +7076,7 @@
               </a:rPr>
               <a:t>)</a:t>
             </a:r>
-            <a:endParaRPr lang="en-ZA" sz="1500" b="1" dirty="0">
+            <a:endParaRPr lang="en-ZA" sz="1600" b="1" dirty="0">
               <a:latin typeface="Helvetica" panose="020B0604020202020204" pitchFamily="34" charset="0"/>
               <a:ea typeface="Times New Roman" panose="02020603050405020304" pitchFamily="18" charset="0"/>
               <a:cs typeface="Times New Roman" panose="02020603050405020304" pitchFamily="18" charset="0"/>
@@ -7412,7 +7369,7 @@
               <a:buNone/>
             </a:pPr>
             <a:r>
-              <a:rPr lang="en-ZA" sz="1500" dirty="0">
+              <a:rPr lang="en-ZA" sz="1600" dirty="0">
                 <a:effectLst/>
                 <a:latin typeface="Helvetica" panose="020B0604020202020204" pitchFamily="34" charset="0"/>
                 <a:ea typeface="Times New Roman" panose="02020603050405020304" pitchFamily="18" charset="0"/>
@@ -7421,7 +7378,7 @@
               <a:t>Many common programming languages have extensive built-in functionality for reading and writing  structured data types, including MATLAB. However, there are different data structures that are unstructured such as images and audio which can also be specified as an input. In this section we will particularly look at the two common functionalities for reading and writing  images into the MATLAB environment:   </a:t>
             </a:r>
             <a:r>
-              <a:rPr lang="en-ZA" sz="1500" dirty="0" err="1">
+              <a:rPr lang="en-ZA" sz="1600" dirty="0" err="1">
                 <a:solidFill>
                   <a:srgbClr val="005FCE"/>
                 </a:solidFill>
@@ -7434,7 +7391,7 @@
               <a:t>imread</a:t>
             </a:r>
             <a:r>
-              <a:rPr lang="en-ZA" sz="1500" dirty="0">
+              <a:rPr lang="en-ZA" sz="1600" dirty="0">
                 <a:effectLst/>
                 <a:latin typeface="Helvetica" panose="020B0604020202020204" pitchFamily="34" charset="0"/>
                 <a:ea typeface="Times New Roman" panose="02020603050405020304" pitchFamily="18" charset="0"/>
@@ -7443,7 +7400,7 @@
               <a:t>() and </a:t>
             </a:r>
             <a:r>
-              <a:rPr lang="en-ZA" sz="1500" dirty="0" err="1">
+              <a:rPr lang="en-ZA" sz="1600" dirty="0" err="1">
                 <a:solidFill>
                   <a:srgbClr val="005FCE"/>
                 </a:solidFill>
@@ -7456,7 +7413,7 @@
               <a:t>imwrite</a:t>
             </a:r>
             <a:r>
-              <a:rPr lang="en-ZA" sz="1500" dirty="0">
+              <a:rPr lang="en-ZA" sz="1600" dirty="0">
                 <a:effectLst/>
                 <a:latin typeface="Helvetica" panose="020B0604020202020204" pitchFamily="34" charset="0"/>
                 <a:ea typeface="Times New Roman" panose="02020603050405020304" pitchFamily="18" charset="0"/>
@@ -7479,7 +7436,7 @@
               <a:buNone/>
             </a:pPr>
             <a:r>
-              <a:rPr lang="en-ZA" sz="1500" dirty="0">
+              <a:rPr lang="en-ZA" sz="1600" dirty="0">
                 <a:effectLst/>
                 <a:latin typeface="Helvetica" panose="020B0604020202020204" pitchFamily="34" charset="0"/>
                 <a:ea typeface="Times New Roman" panose="02020603050405020304" pitchFamily="18" charset="0"/>
@@ -7488,7 +7445,7 @@
               <a:t>Use the MATLAB </a:t>
             </a:r>
             <a:r>
-              <a:rPr lang="en-ZA" sz="1500" dirty="0">
+              <a:rPr lang="en-ZA" sz="1600" dirty="0">
                 <a:solidFill>
                   <a:srgbClr val="005FCE"/>
                 </a:solidFill>
@@ -7501,7 +7458,7 @@
               <a:t>documentation</a:t>
             </a:r>
             <a:r>
-              <a:rPr lang="en-ZA" sz="1500" dirty="0">
+              <a:rPr lang="en-ZA" sz="1600" dirty="0">
                 <a:effectLst/>
                 <a:latin typeface="Helvetica" panose="020B0604020202020204" pitchFamily="34" charset="0"/>
                 <a:ea typeface="Times New Roman" panose="02020603050405020304" pitchFamily="18" charset="0"/>
@@ -7510,7 +7467,7 @@
               <a:t> to search how to read other unstructured data types such as </a:t>
             </a:r>
             <a:r>
-              <a:rPr lang="en-ZA" sz="1500" dirty="0">
+              <a:rPr lang="en-ZA" sz="1600" dirty="0">
                 <a:solidFill>
                   <a:srgbClr val="005FCE"/>
                 </a:solidFill>
@@ -7523,7 +7480,7 @@
               <a:t>audio</a:t>
             </a:r>
             <a:r>
-              <a:rPr lang="en-ZA" sz="1500" dirty="0">
+              <a:rPr lang="en-ZA" sz="1600" dirty="0">
                 <a:effectLst/>
                 <a:latin typeface="Helvetica" panose="020B0604020202020204" pitchFamily="34" charset="0"/>
                 <a:ea typeface="Times New Roman" panose="02020603050405020304" pitchFamily="18" charset="0"/>
@@ -7708,7 +7665,7 @@
         </p:nvSpPr>
         <p:spPr>
           <a:xfrm>
-            <a:off x="471538" y="2563121"/>
+            <a:off x="471538" y="2767402"/>
             <a:ext cx="8229600" cy="720000"/>
           </a:xfrm>
           <a:prstGeom prst="rect">
@@ -7841,7 +7798,7 @@
               <a:buNone/>
             </a:pPr>
             <a:r>
-              <a:rPr lang="en-ZA" sz="1400" dirty="0">
+              <a:rPr lang="en-ZA" sz="1600" dirty="0">
                 <a:effectLst/>
                 <a:latin typeface="Helvetica" panose="020B0604020202020204" pitchFamily="34" charset="0"/>
                 <a:ea typeface="Times New Roman" panose="02020603050405020304" pitchFamily="18" charset="0"/>
@@ -7850,7 +7807,7 @@
               <a:t>           MATLAB provides a comprehensive workflow for image processing, analysis and visualisation. The simplest way to begin this process is by reading in an image that is specified as an input by the user. The </a:t>
             </a:r>
             <a:r>
-              <a:rPr lang="en-ZA" sz="1400" dirty="0" err="1">
+              <a:rPr lang="en-ZA" sz="1600" dirty="0" err="1">
                 <a:effectLst/>
                 <a:latin typeface="Helvetica" panose="020B0604020202020204" pitchFamily="34" charset="0"/>
                 <a:ea typeface="Times New Roman" panose="02020603050405020304" pitchFamily="18" charset="0"/>
@@ -7859,7 +7816,7 @@
               <a:t>imread</a:t>
             </a:r>
             <a:r>
-              <a:rPr lang="en-ZA" sz="1400" dirty="0">
+              <a:rPr lang="en-ZA" sz="1600" dirty="0">
                 <a:effectLst/>
                 <a:latin typeface="Helvetica" panose="020B0604020202020204" pitchFamily="34" charset="0"/>
                 <a:ea typeface="Times New Roman" panose="02020603050405020304" pitchFamily="18" charset="0"/>
@@ -7868,7 +7825,7 @@
               <a:t>() function can be used to read in images into the MATLAB environment. This functionality supports image extensions such as .</a:t>
             </a:r>
             <a:r>
-              <a:rPr lang="en-ZA" sz="1400" dirty="0" err="1">
+              <a:rPr lang="en-ZA" sz="1600" dirty="0" err="1">
                 <a:effectLst/>
                 <a:latin typeface="Helvetica" panose="020B0604020202020204" pitchFamily="34" charset="0"/>
                 <a:ea typeface="Times New Roman" panose="02020603050405020304" pitchFamily="18" charset="0"/>
@@ -7877,7 +7834,7 @@
               <a:t>tif</a:t>
             </a:r>
             <a:r>
-              <a:rPr lang="en-ZA" sz="1400" dirty="0">
+              <a:rPr lang="en-ZA" sz="1600" dirty="0">
                 <a:effectLst/>
                 <a:latin typeface="Helvetica" panose="020B0604020202020204" pitchFamily="34" charset="0"/>
                 <a:ea typeface="Times New Roman" panose="02020603050405020304" pitchFamily="18" charset="0"/>
@@ -7886,7 +7843,7 @@
               <a:t>, .bmp and .</a:t>
             </a:r>
             <a:r>
-              <a:rPr lang="en-ZA" sz="1400" dirty="0" err="1">
+              <a:rPr lang="en-ZA" sz="1600" dirty="0" err="1">
                 <a:effectLst/>
                 <a:latin typeface="Helvetica" panose="020B0604020202020204" pitchFamily="34" charset="0"/>
                 <a:ea typeface="Times New Roman" panose="02020603050405020304" pitchFamily="18" charset="0"/>
@@ -7895,7 +7852,7 @@
               <a:t>png</a:t>
             </a:r>
             <a:r>
-              <a:rPr lang="en-ZA" sz="1400" dirty="0">
+              <a:rPr lang="en-ZA" sz="1600" dirty="0">
                 <a:effectLst/>
                 <a:latin typeface="Helvetica" panose="020B0604020202020204" pitchFamily="34" charset="0"/>
                 <a:ea typeface="Times New Roman" panose="02020603050405020304" pitchFamily="18" charset="0"/>
@@ -7904,7 +7861,7 @@
               <a:t>. More extensions can be found </a:t>
             </a:r>
             <a:r>
-              <a:rPr lang="en-ZA" sz="1400" dirty="0">
+              <a:rPr lang="en-ZA" sz="1600" dirty="0">
                 <a:solidFill>
                   <a:srgbClr val="005FCE"/>
                 </a:solidFill>
@@ -7917,7 +7874,7 @@
               <a:t>here</a:t>
             </a:r>
             <a:r>
-              <a:rPr lang="en-ZA" sz="1400" dirty="0">
+              <a:rPr lang="en-ZA" sz="1600" dirty="0">
                 <a:effectLst/>
                 <a:latin typeface="Helvetica" panose="020B0604020202020204" pitchFamily="34" charset="0"/>
                 <a:ea typeface="Times New Roman" panose="02020603050405020304" pitchFamily="18" charset="0"/>
@@ -7943,7 +7900,7 @@
               </a:tabLst>
             </a:pPr>
             <a:r>
-              <a:rPr lang="en-ZA" sz="1400" dirty="0">
+              <a:rPr lang="en-ZA" sz="1600" dirty="0">
                 <a:solidFill>
                   <a:srgbClr val="000000"/>
                 </a:solidFill>
@@ -7955,7 +7912,7 @@
               <a:t>	</a:t>
             </a:r>
             <a:r>
-              <a:rPr lang="en-ZA" sz="1400" dirty="0" err="1">
+              <a:rPr lang="en-ZA" sz="1600" dirty="0" err="1">
                 <a:solidFill>
                   <a:srgbClr val="000000"/>
                 </a:solidFill>
@@ -7967,7 +7924,7 @@
               <a:t>matlabLogo</a:t>
             </a:r>
             <a:r>
-              <a:rPr lang="en-ZA" sz="1400" dirty="0">
+              <a:rPr lang="en-ZA" sz="1600" dirty="0">
                 <a:solidFill>
                   <a:srgbClr val="000000"/>
                 </a:solidFill>
@@ -7979,7 +7936,7 @@
               <a:t> = </a:t>
             </a:r>
             <a:r>
-              <a:rPr lang="en-ZA" sz="1400" dirty="0" err="1">
+              <a:rPr lang="en-ZA" sz="1600" dirty="0" err="1">
                 <a:solidFill>
                   <a:srgbClr val="000000"/>
                 </a:solidFill>
@@ -7991,7 +7948,7 @@
               <a:t>imread</a:t>
             </a:r>
             <a:r>
-              <a:rPr lang="en-ZA" sz="1400" dirty="0">
+              <a:rPr lang="en-ZA" sz="1600" dirty="0">
                 <a:solidFill>
                   <a:srgbClr val="000000"/>
                 </a:solidFill>
@@ -8003,7 +7960,7 @@
               <a:t>(</a:t>
             </a:r>
             <a:r>
-              <a:rPr lang="en-ZA" sz="1400" dirty="0">
+              <a:rPr lang="en-ZA" sz="1600" dirty="0">
                 <a:solidFill>
                   <a:srgbClr val="AA04F9"/>
                 </a:solidFill>
@@ -8015,7 +7972,7 @@
               <a:t>'MATLAB-symbol.jpg'</a:t>
             </a:r>
             <a:r>
-              <a:rPr lang="en-ZA" sz="1400" dirty="0">
+              <a:rPr lang="en-ZA" sz="1600" dirty="0">
                 <a:solidFill>
                   <a:srgbClr val="000000"/>
                 </a:solidFill>
@@ -8026,7 +7983,7 @@
               </a:rPr>
               <a:t>);</a:t>
             </a:r>
-            <a:endParaRPr lang="en-ZA" sz="1400" dirty="0">
+            <a:endParaRPr lang="en-ZA" sz="1600" dirty="0">
               <a:effectLst/>
               <a:latin typeface="Consolas" panose="020B0609020204030204" pitchFamily="49" charset="0"/>
               <a:ea typeface="Times New Roman" panose="02020603050405020304" pitchFamily="18" charset="0"/>
@@ -8047,7 +8004,7 @@
               </a:tabLst>
             </a:pPr>
             <a:r>
-              <a:rPr lang="en-ZA" sz="1400" dirty="0" err="1">
+              <a:rPr lang="en-ZA" sz="1600" dirty="0" err="1">
                 <a:solidFill>
                   <a:srgbClr val="000000"/>
                 </a:solidFill>
@@ -8059,7 +8016,7 @@
               <a:t>imshow</a:t>
             </a:r>
             <a:r>
-              <a:rPr lang="en-ZA" sz="1400" dirty="0">
+              <a:rPr lang="en-ZA" sz="1600" dirty="0">
                 <a:solidFill>
                   <a:srgbClr val="000000"/>
                 </a:solidFill>
@@ -8071,7 +8028,7 @@
               <a:t>(</a:t>
             </a:r>
             <a:r>
-              <a:rPr lang="en-ZA" sz="1400" dirty="0" err="1">
+              <a:rPr lang="en-ZA" sz="1600" dirty="0" err="1">
                 <a:solidFill>
                   <a:srgbClr val="000000"/>
                 </a:solidFill>
@@ -8083,7 +8040,7 @@
               <a:t>matlabLogo</a:t>
             </a:r>
             <a:r>
-              <a:rPr lang="en-ZA" sz="1400" dirty="0">
+              <a:rPr lang="en-ZA" sz="1600" dirty="0">
                 <a:solidFill>
                   <a:srgbClr val="000000"/>
                 </a:solidFill>
@@ -8108,7 +8065,7 @@
                 <a:tab pos="266700" algn="l"/>
               </a:tabLst>
             </a:pPr>
-            <a:endParaRPr lang="en-ZA" sz="1400" dirty="0">
+            <a:endParaRPr lang="en-ZA" sz="1600" dirty="0">
               <a:solidFill>
                 <a:srgbClr val="000000"/>
               </a:solidFill>
@@ -8130,7 +8087,7 @@
                 <a:tab pos="266700" algn="l"/>
               </a:tabLst>
             </a:pPr>
-            <a:endParaRPr lang="en-ZA" sz="1400" dirty="0">
+            <a:endParaRPr lang="en-ZA" sz="1600" dirty="0">
               <a:solidFill>
                 <a:srgbClr val="000000"/>
               </a:solidFill>
@@ -8153,7 +8110,7 @@
                 <a:tab pos="266700" algn="l"/>
               </a:tabLst>
             </a:pPr>
-            <a:endParaRPr lang="en-ZA" sz="1400" dirty="0">
+            <a:endParaRPr lang="en-ZA" sz="1600" dirty="0">
               <a:solidFill>
                 <a:srgbClr val="000000"/>
               </a:solidFill>
@@ -8175,7 +8132,7 @@
                 <a:tab pos="266700" algn="l"/>
               </a:tabLst>
             </a:pPr>
-            <a:endParaRPr lang="en-ZA" sz="1400" dirty="0">
+            <a:endParaRPr lang="en-ZA" sz="1600" dirty="0">
               <a:solidFill>
                 <a:srgbClr val="000000"/>
               </a:solidFill>
@@ -8198,7 +8155,7 @@
                 <a:tab pos="266700" algn="l"/>
               </a:tabLst>
             </a:pPr>
-            <a:endParaRPr lang="en-ZA" sz="1400" dirty="0">
+            <a:endParaRPr lang="en-ZA" sz="1600" dirty="0">
               <a:solidFill>
                 <a:srgbClr val="000000"/>
               </a:solidFill>
@@ -8220,7 +8177,7 @@
                 <a:tab pos="266700" algn="l"/>
               </a:tabLst>
             </a:pPr>
-            <a:endParaRPr lang="en-ZA" sz="1400" dirty="0">
+            <a:endParaRPr lang="en-ZA" sz="1600" dirty="0">
               <a:solidFill>
                 <a:srgbClr val="000000"/>
               </a:solidFill>
@@ -8489,7 +8446,7 @@
         </p:nvSpPr>
         <p:spPr>
           <a:xfrm>
-            <a:off x="481063" y="6058796"/>
+            <a:off x="481063" y="6097708"/>
             <a:ext cx="8229600" cy="360000"/>
           </a:xfrm>
           <a:prstGeom prst="rect">
@@ -8680,7 +8637,7 @@
               <a:buNone/>
             </a:pPr>
             <a:r>
-              <a:rPr lang="en-ZA" sz="1500" dirty="0">
+              <a:rPr lang="en-ZA" sz="1600" dirty="0">
                 <a:effectLst/>
                 <a:latin typeface="Helvetica" panose="020B0604020202020204" pitchFamily="34" charset="0"/>
                 <a:ea typeface="Times New Roman" panose="02020603050405020304" pitchFamily="18" charset="0"/>
@@ -8689,7 +8646,7 @@
               <a:t>Hopefully by now you are familiar with the process once data has been specified as an input by a user - some form of manipulation is done to the data. In this example, we simply manipulate our input by converting our </a:t>
             </a:r>
             <a:r>
-              <a:rPr lang="en-ZA" sz="1500" dirty="0" err="1">
+              <a:rPr lang="en-ZA" sz="1600" dirty="0" err="1">
                 <a:effectLst/>
                 <a:latin typeface="Helvetica" panose="020B0604020202020204" pitchFamily="34" charset="0"/>
                 <a:ea typeface="Times New Roman" panose="02020603050405020304" pitchFamily="18" charset="0"/>
@@ -8698,7 +8655,7 @@
               <a:t>color</a:t>
             </a:r>
             <a:r>
-              <a:rPr lang="en-ZA" sz="1500" dirty="0">
+              <a:rPr lang="en-ZA" sz="1600" dirty="0">
                 <a:effectLst/>
                 <a:latin typeface="Helvetica" panose="020B0604020202020204" pitchFamily="34" charset="0"/>
                 <a:ea typeface="Times New Roman" panose="02020603050405020304" pitchFamily="18" charset="0"/>
@@ -8707,7 +8664,7 @@
               <a:t> input image into a black and white image by using the </a:t>
             </a:r>
             <a:r>
-              <a:rPr lang="en-ZA" sz="1500" dirty="0">
+              <a:rPr lang="en-ZA" sz="1600" dirty="0">
                 <a:solidFill>
                   <a:srgbClr val="005FCE"/>
                 </a:solidFill>
@@ -8720,7 +8677,7 @@
               <a:t>rgb2gray</a:t>
             </a:r>
             <a:r>
-              <a:rPr lang="en-ZA" sz="1500" dirty="0">
+              <a:rPr lang="en-ZA" sz="1600" dirty="0">
                 <a:effectLst/>
                 <a:latin typeface="Helvetica" panose="020B0604020202020204" pitchFamily="34" charset="0"/>
                 <a:ea typeface="Times New Roman" panose="02020603050405020304" pitchFamily="18" charset="0"/>
@@ -8729,7 +8686,7 @@
               <a:t>() functionality. More image processing functionality can be studied </a:t>
             </a:r>
             <a:r>
-              <a:rPr lang="en-ZA" sz="1500" dirty="0">
+              <a:rPr lang="en-ZA" sz="1600" dirty="0">
                 <a:solidFill>
                   <a:srgbClr val="005FCE"/>
                 </a:solidFill>
@@ -8742,7 +8699,7 @@
               <a:t>here</a:t>
             </a:r>
             <a:r>
-              <a:rPr lang="en-ZA" sz="1500" dirty="0">
+              <a:rPr lang="en-ZA" sz="1600" dirty="0">
                 <a:effectLst/>
                 <a:latin typeface="Helvetica" panose="020B0604020202020204" pitchFamily="34" charset="0"/>
                 <a:ea typeface="Times New Roman" panose="02020603050405020304" pitchFamily="18" charset="0"/>
@@ -8765,7 +8722,7 @@
               </a:tabLst>
             </a:pPr>
             <a:r>
-              <a:rPr lang="en-ZA" sz="1500" dirty="0" err="1">
+              <a:rPr lang="en-ZA" sz="1600" dirty="0" err="1">
                 <a:solidFill>
                   <a:srgbClr val="000000"/>
                 </a:solidFill>
@@ -8777,7 +8734,7 @@
               <a:t>matlabBW</a:t>
             </a:r>
             <a:r>
-              <a:rPr lang="en-ZA" sz="1500" dirty="0">
+              <a:rPr lang="en-ZA" sz="1600" dirty="0">
                 <a:solidFill>
                   <a:srgbClr val="000000"/>
                 </a:solidFill>
@@ -8789,7 +8746,7 @@
               <a:t> = rgb2gray(</a:t>
             </a:r>
             <a:r>
-              <a:rPr lang="en-ZA" sz="1500" dirty="0" err="1">
+              <a:rPr lang="en-ZA" sz="1600" dirty="0" err="1">
                 <a:solidFill>
                   <a:srgbClr val="000000"/>
                 </a:solidFill>
@@ -8801,7 +8758,7 @@
               <a:t>matlabLogo</a:t>
             </a:r>
             <a:r>
-              <a:rPr lang="en-ZA" sz="1500" dirty="0">
+              <a:rPr lang="en-ZA" sz="1600" dirty="0">
                 <a:solidFill>
                   <a:srgbClr val="000000"/>
                 </a:solidFill>
@@ -8812,7 +8769,7 @@
               </a:rPr>
               <a:t>);</a:t>
             </a:r>
-            <a:endParaRPr lang="en-ZA" sz="1500" dirty="0">
+            <a:endParaRPr lang="en-ZA" sz="1600" dirty="0">
               <a:effectLst/>
               <a:latin typeface="Consolas" panose="020B0609020204030204" pitchFamily="49" charset="0"/>
               <a:ea typeface="Times New Roman" panose="02020603050405020304" pitchFamily="18" charset="0"/>
@@ -8833,7 +8790,7 @@
               </a:tabLst>
             </a:pPr>
             <a:r>
-              <a:rPr lang="en-ZA" sz="1500" dirty="0" err="1">
+              <a:rPr lang="en-ZA" sz="1600" dirty="0" err="1">
                 <a:solidFill>
                   <a:srgbClr val="000000"/>
                 </a:solidFill>
@@ -8845,7 +8802,7 @@
               <a:t>imshow</a:t>
             </a:r>
             <a:r>
-              <a:rPr lang="en-ZA" sz="1500" dirty="0">
+              <a:rPr lang="en-ZA" sz="1600" dirty="0">
                 <a:solidFill>
                   <a:srgbClr val="000000"/>
                 </a:solidFill>
@@ -8857,7 +8814,7 @@
               <a:t>(</a:t>
             </a:r>
             <a:r>
-              <a:rPr lang="en-ZA" sz="1500" dirty="0" err="1">
+              <a:rPr lang="en-ZA" sz="1600" dirty="0" err="1">
                 <a:solidFill>
                   <a:srgbClr val="000000"/>
                 </a:solidFill>
@@ -8869,7 +8826,7 @@
               <a:t>matlabBW</a:t>
             </a:r>
             <a:r>
-              <a:rPr lang="en-ZA" sz="1500" dirty="0">
+              <a:rPr lang="en-ZA" sz="1600" dirty="0">
                 <a:solidFill>
                   <a:srgbClr val="000000"/>
                 </a:solidFill>
@@ -8894,7 +8851,7 @@
                 <a:tab pos="266700" algn="l"/>
               </a:tabLst>
             </a:pPr>
-            <a:endParaRPr lang="en-ZA" sz="1500" dirty="0">
+            <a:endParaRPr lang="en-ZA" sz="1050" dirty="0">
               <a:solidFill>
                 <a:srgbClr val="000000"/>
               </a:solidFill>
@@ -8916,7 +8873,7 @@
                 <a:tab pos="266700" algn="l"/>
               </a:tabLst>
             </a:pPr>
-            <a:endParaRPr lang="en-ZA" sz="1500" dirty="0">
+            <a:endParaRPr lang="en-ZA" sz="600" dirty="0">
               <a:solidFill>
                 <a:srgbClr val="000000"/>
               </a:solidFill>
@@ -8939,7 +8896,7 @@
                 <a:tab pos="266700" algn="l"/>
               </a:tabLst>
             </a:pPr>
-            <a:endParaRPr lang="en-ZA" sz="1500" dirty="0">
+            <a:endParaRPr lang="en-ZA" sz="1050" dirty="0">
               <a:solidFill>
                 <a:srgbClr val="000000"/>
               </a:solidFill>
@@ -8961,11 +8918,10 @@
                 <a:tab pos="266700" algn="l"/>
               </a:tabLst>
             </a:pPr>
-            <a:endParaRPr lang="en-ZA" sz="1500" dirty="0">
+            <a:endParaRPr lang="en-ZA" sz="1600" dirty="0">
               <a:solidFill>
                 <a:srgbClr val="000000"/>
               </a:solidFill>
-              <a:effectLst/>
               <a:latin typeface="Consolas" panose="020B0609020204030204" pitchFamily="49" charset="0"/>
               <a:ea typeface="Times New Roman" panose="02020603050405020304" pitchFamily="18" charset="0"/>
               <a:cs typeface="Times New Roman" panose="02020603050405020304" pitchFamily="18" charset="0"/>
@@ -8984,29 +8940,7 @@
                 <a:tab pos="266700" algn="l"/>
               </a:tabLst>
             </a:pPr>
-            <a:endParaRPr lang="en-ZA" sz="1500" dirty="0">
-              <a:solidFill>
-                <a:srgbClr val="000000"/>
-              </a:solidFill>
-              <a:latin typeface="Consolas" panose="020B0609020204030204" pitchFamily="49" charset="0"/>
-              <a:ea typeface="Times New Roman" panose="02020603050405020304" pitchFamily="18" charset="0"/>
-              <a:cs typeface="Times New Roman" panose="02020603050405020304" pitchFamily="18" charset="0"/>
-            </a:endParaRPr>
-          </a:p>
-          <a:p>
-            <a:pPr marL="266700" lvl="1" indent="0" algn="just">
-              <a:lnSpc>
-                <a:spcPts val="1400"/>
-              </a:lnSpc>
-              <a:spcAft>
-                <a:spcPts val="700"/>
-              </a:spcAft>
-              <a:buNone/>
-              <a:tabLst>
-                <a:tab pos="266700" algn="l"/>
-              </a:tabLst>
-            </a:pPr>
-            <a:endParaRPr lang="en-ZA" sz="1500" dirty="0">
+            <a:endParaRPr lang="en-ZA" sz="400" dirty="0">
               <a:solidFill>
                 <a:srgbClr val="000000"/>
               </a:solidFill>
@@ -9030,7 +8964,7 @@
               <a:buNone/>
             </a:pPr>
             <a:r>
-              <a:rPr lang="en-ZA" sz="1500" dirty="0">
+              <a:rPr lang="en-ZA" sz="1600" dirty="0">
                 <a:effectLst/>
                 <a:latin typeface="Helvetica" panose="020B0604020202020204" pitchFamily="34" charset="0"/>
                 <a:ea typeface="Times New Roman" panose="02020603050405020304" pitchFamily="18" charset="0"/>
@@ -9039,7 +8973,7 @@
               <a:t>Once our image has been manipulated to our liking, we can save the data/image using the </a:t>
             </a:r>
             <a:r>
-              <a:rPr lang="en-ZA" sz="1500" dirty="0" err="1">
+              <a:rPr lang="en-ZA" sz="1600" dirty="0" err="1">
                 <a:solidFill>
                   <a:srgbClr val="005FCE"/>
                 </a:solidFill>
@@ -9052,7 +8986,7 @@
               <a:t>imwrite</a:t>
             </a:r>
             <a:r>
-              <a:rPr lang="en-ZA" sz="1500" dirty="0">
+              <a:rPr lang="en-ZA" sz="1600" dirty="0">
                 <a:effectLst/>
                 <a:latin typeface="Helvetica" panose="020B0604020202020204" pitchFamily="34" charset="0"/>
                 <a:ea typeface="Times New Roman" panose="02020603050405020304" pitchFamily="18" charset="0"/>
@@ -9069,7 +9003,7 @@
               </a:tabLst>
             </a:pPr>
             <a:r>
-              <a:rPr lang="en-ZA" sz="1500" dirty="0">
+              <a:rPr lang="en-ZA" sz="1600" dirty="0">
                 <a:effectLst/>
                 <a:latin typeface="Helvetica" panose="020B0604020202020204" pitchFamily="34" charset="0"/>
                 <a:ea typeface="Times New Roman" panose="02020603050405020304" pitchFamily="18" charset="0"/>
@@ -9078,7 +9012,7 @@
               <a:t>	</a:t>
             </a:r>
             <a:r>
-              <a:rPr lang="en-ZA" sz="1500" dirty="0" err="1">
+              <a:rPr lang="en-ZA" sz="1600" dirty="0" err="1">
                 <a:effectLst/>
                 <a:latin typeface="Helvetica" panose="020B0604020202020204" pitchFamily="34" charset="0"/>
                 <a:ea typeface="Times New Roman" panose="02020603050405020304" pitchFamily="18" charset="0"/>
@@ -9087,7 +9021,7 @@
               <a:t>imwrite</a:t>
             </a:r>
             <a:r>
-              <a:rPr lang="en-ZA" sz="1500" dirty="0">
+              <a:rPr lang="en-ZA" sz="1600" dirty="0">
                 <a:effectLst/>
                 <a:latin typeface="Helvetica" panose="020B0604020202020204" pitchFamily="34" charset="0"/>
                 <a:ea typeface="Times New Roman" panose="02020603050405020304" pitchFamily="18" charset="0"/>
@@ -9096,7 +9030,7 @@
               <a:t>(</a:t>
             </a:r>
             <a:r>
-              <a:rPr lang="en-ZA" sz="1500" dirty="0" err="1">
+              <a:rPr lang="en-ZA" sz="1600" dirty="0" err="1">
                 <a:effectLst/>
                 <a:latin typeface="Helvetica" panose="020B0604020202020204" pitchFamily="34" charset="0"/>
                 <a:ea typeface="Times New Roman" panose="02020603050405020304" pitchFamily="18" charset="0"/>
@@ -9105,7 +9039,7 @@
               <a:t>matlabBW</a:t>
             </a:r>
             <a:r>
-              <a:rPr lang="en-ZA" sz="1500" dirty="0">
+              <a:rPr lang="en-ZA" sz="1600" dirty="0">
                 <a:effectLst/>
                 <a:latin typeface="Helvetica" panose="020B0604020202020204" pitchFamily="34" charset="0"/>
                 <a:ea typeface="Times New Roman" panose="02020603050405020304" pitchFamily="18" charset="0"/>
@@ -9114,7 +9048,7 @@
               <a:t>, </a:t>
             </a:r>
             <a:r>
-              <a:rPr lang="en-ZA" sz="1500" dirty="0">
+              <a:rPr lang="en-ZA" sz="1600" dirty="0">
                 <a:solidFill>
                   <a:srgbClr val="AA04F9"/>
                 </a:solidFill>
@@ -9126,7 +9060,7 @@
               <a:t>'matlabLogoBW.png'</a:t>
             </a:r>
             <a:r>
-              <a:rPr lang="en-ZA" sz="1500" dirty="0">
+              <a:rPr lang="en-ZA" sz="1600" dirty="0">
                 <a:effectLst/>
                 <a:latin typeface="Helvetica" panose="020B0604020202020204" pitchFamily="34" charset="0"/>
                 <a:ea typeface="Times New Roman" panose="02020603050405020304" pitchFamily="18" charset="0"/>
@@ -9134,7 +9068,7 @@
               </a:rPr>
               <a:t>);</a:t>
             </a:r>
-            <a:endParaRPr lang="en-ZA" sz="1500" dirty="0">
+            <a:endParaRPr lang="en-ZA" sz="1600" dirty="0">
               <a:effectLst/>
               <a:latin typeface="Consolas" panose="020B0609020204030204" pitchFamily="49" charset="0"/>
               <a:ea typeface="Times New Roman" panose="02020603050405020304" pitchFamily="18" charset="0"/>
@@ -9353,8 +9287,8 @@
         </p:nvSpPr>
         <p:spPr>
           <a:xfrm>
-            <a:off x="481063" y="2658371"/>
-            <a:ext cx="8229600" cy="720000"/>
+            <a:off x="519975" y="2755648"/>
+            <a:ext cx="8229600" cy="972000"/>
           </a:xfrm>
           <a:prstGeom prst="rect">
             <a:avLst/>
@@ -9486,7 +9420,7 @@
               <a:buNone/>
             </a:pPr>
             <a:r>
-              <a:rPr lang="en-ZA" sz="1500" b="1" dirty="0">
+              <a:rPr lang="en-ZA" sz="1600" b="1" dirty="0">
                 <a:effectLst/>
                 <a:latin typeface="Helvetica" panose="020B0604020202020204" pitchFamily="34" charset="0"/>
                 <a:ea typeface="Times New Roman" panose="02020603050405020304" pitchFamily="18" charset="0"/>
@@ -9494,7 +9428,7 @@
               </a:rPr>
               <a:t>          Now Try for Yourself!</a:t>
             </a:r>
-            <a:endParaRPr lang="en-ZA" sz="1500" dirty="0">
+            <a:endParaRPr lang="en-ZA" sz="1600" dirty="0">
               <a:effectLst/>
               <a:latin typeface="Helvetica" panose="020B0604020202020204" pitchFamily="34" charset="0"/>
               <a:ea typeface="Times New Roman" panose="02020603050405020304" pitchFamily="18" charset="0"/>
@@ -9515,7 +9449,7 @@
               <a:buNone/>
             </a:pPr>
             <a:r>
-              <a:rPr lang="en-ZA" sz="1500" dirty="0">
+              <a:rPr lang="en-ZA" sz="1600" dirty="0">
                 <a:effectLst/>
                 <a:latin typeface="Helvetica" panose="020B0604020202020204" pitchFamily="34" charset="0"/>
                 <a:ea typeface="Times New Roman" panose="02020603050405020304" pitchFamily="18" charset="0"/>
@@ -9524,7 +9458,7 @@
               <a:t>Using the MATLAB </a:t>
             </a:r>
             <a:r>
-              <a:rPr lang="en-ZA" sz="1500" dirty="0">
+              <a:rPr lang="en-ZA" sz="1600" dirty="0">
                 <a:solidFill>
                   <a:srgbClr val="005FCE"/>
                 </a:solidFill>
@@ -9537,7 +9471,7 @@
               <a:t>documentation</a:t>
             </a:r>
             <a:r>
-              <a:rPr lang="en-ZA" sz="1500" dirty="0">
+              <a:rPr lang="en-ZA" sz="1600" dirty="0">
                 <a:effectLst/>
                 <a:latin typeface="Helvetica" panose="020B0604020202020204" pitchFamily="34" charset="0"/>
                 <a:ea typeface="Times New Roman" panose="02020603050405020304" pitchFamily="18" charset="0"/>
@@ -9546,7 +9480,7 @@
               <a:t>, </a:t>
             </a:r>
             <a:r>
-              <a:rPr lang="en-ZA" sz="1500" dirty="0">
+              <a:rPr lang="en-ZA" sz="1600" dirty="0">
                 <a:solidFill>
                   <a:srgbClr val="005FCE"/>
                 </a:solidFill>
@@ -9559,7 +9493,7 @@
               <a:t>read</a:t>
             </a:r>
             <a:r>
-              <a:rPr lang="en-ZA" sz="1500" dirty="0">
+              <a:rPr lang="en-ZA" sz="1600" dirty="0">
                 <a:effectLst/>
                 <a:latin typeface="Helvetica" panose="020B0604020202020204" pitchFamily="34" charset="0"/>
                 <a:ea typeface="Times New Roman" panose="02020603050405020304" pitchFamily="18" charset="0"/>
@@ -9568,7 +9502,7 @@
               <a:t> in an audio, perform some kind of manipulation on the audio and </a:t>
             </a:r>
             <a:r>
-              <a:rPr lang="en-ZA" sz="1500" dirty="0">
+              <a:rPr lang="en-ZA" sz="1600" dirty="0">
                 <a:solidFill>
                   <a:srgbClr val="005FCE"/>
                 </a:solidFill>
@@ -9581,7 +9515,7 @@
               <a:t>write</a:t>
             </a:r>
             <a:r>
-              <a:rPr lang="en-ZA" sz="1500" dirty="0">
+              <a:rPr lang="en-ZA" sz="1600" dirty="0">
                 <a:effectLst/>
                 <a:latin typeface="Helvetica" panose="020B0604020202020204" pitchFamily="34" charset="0"/>
                 <a:ea typeface="Times New Roman" panose="02020603050405020304" pitchFamily="18" charset="0"/>
@@ -9604,7 +9538,7 @@
               </a:tabLst>
             </a:pPr>
             <a:r>
-              <a:rPr lang="en-ZA" sz="1500" dirty="0">
+              <a:rPr lang="en-ZA" sz="1600" dirty="0">
                 <a:solidFill>
                   <a:srgbClr val="028009"/>
                 </a:solidFill>
@@ -9615,7 +9549,7 @@
               </a:rPr>
               <a:t>%This example will vary depending on what audio a student uses. It is</a:t>
             </a:r>
-            <a:endParaRPr lang="en-ZA" sz="1500" dirty="0">
+            <a:endParaRPr lang="en-ZA" sz="1600" dirty="0">
               <a:effectLst/>
               <a:latin typeface="Consolas" panose="020B0609020204030204" pitchFamily="49" charset="0"/>
               <a:ea typeface="Times New Roman" panose="02020603050405020304" pitchFamily="18" charset="0"/>
@@ -9636,7 +9570,7 @@
               </a:tabLst>
             </a:pPr>
             <a:r>
-              <a:rPr lang="en-ZA" sz="1500" dirty="0">
+              <a:rPr lang="en-ZA" sz="1600" dirty="0">
                 <a:solidFill>
                   <a:srgbClr val="028009"/>
                 </a:solidFill>
@@ -9648,7 +9582,7 @@
               <a:t>%important that students use the </a:t>
             </a:r>
             <a:r>
-              <a:rPr lang="en-ZA" sz="1500" dirty="0" err="1">
+              <a:rPr lang="en-ZA" sz="1600" dirty="0" err="1">
                 <a:solidFill>
                   <a:srgbClr val="028009"/>
                 </a:solidFill>
@@ -9660,7 +9594,7 @@
               <a:t>audioread</a:t>
             </a:r>
             <a:r>
-              <a:rPr lang="en-ZA" sz="1500" dirty="0">
+              <a:rPr lang="en-ZA" sz="1600" dirty="0">
                 <a:solidFill>
                   <a:srgbClr val="028009"/>
                 </a:solidFill>
@@ -9672,7 +9606,7 @@
               <a:t>() and </a:t>
             </a:r>
             <a:r>
-              <a:rPr lang="en-ZA" sz="1500" dirty="0" err="1">
+              <a:rPr lang="en-ZA" sz="1600" dirty="0" err="1">
                 <a:solidFill>
                   <a:srgbClr val="028009"/>
                 </a:solidFill>
@@ -9684,7 +9618,7 @@
               <a:t>audiowrite</a:t>
             </a:r>
             <a:r>
-              <a:rPr lang="en-ZA" sz="1500" dirty="0">
+              <a:rPr lang="en-ZA" sz="1600" dirty="0">
                 <a:solidFill>
                   <a:srgbClr val="028009"/>
                 </a:solidFill>
@@ -9696,14 +9630,14 @@
               <a:t>() function.</a:t>
             </a:r>
             <a:r>
-              <a:rPr lang="en-ZA" sz="1500" dirty="0">
+              <a:rPr lang="en-ZA" sz="1600" dirty="0">
                 <a:latin typeface="Helvetica" panose="020B0604020202020204" pitchFamily="34" charset="0"/>
                 <a:ea typeface="Times New Roman" panose="02020603050405020304" pitchFamily="18" charset="0"/>
                 <a:cs typeface="Times New Roman" panose="02020603050405020304" pitchFamily="18" charset="0"/>
               </a:rPr>
               <a:t>          </a:t>
             </a:r>
-            <a:endParaRPr kumimoji="0" lang="en-ZA" altLang="en-US" sz="1500" b="0" i="0" u="none" strike="noStrike" cap="none" normalizeH="0" baseline="0" dirty="0">
+            <a:endParaRPr kumimoji="0" lang="en-ZA" altLang="en-US" sz="1600" b="0" i="0" u="none" strike="noStrike" cap="none" normalizeH="0" baseline="0" dirty="0">
               <a:ln>
                 <a:noFill/>
               </a:ln>
@@ -10094,21 +10028,6 @@
               <a:t>Importing data from unstructured data types</a:t>
             </a:r>
           </a:p>
-          <a:p>
-            <a:pPr marL="722313" lvl="0" indent="-180975">
-              <a:lnSpc>
-                <a:spcPct val="107000"/>
-              </a:lnSpc>
-              <a:buFont typeface="Symbol" panose="05050102010706020507" pitchFamily="18" charset="2"/>
-              <a:buChar char=""/>
-            </a:pPr>
-            <a:endParaRPr lang="en-ZA" sz="1600" dirty="0">
-              <a:effectLst/>
-              <a:latin typeface="Helvetica" panose="020B0604020202020204" pitchFamily="34" charset="0"/>
-              <a:ea typeface="Times New Roman" panose="02020603050405020304" pitchFamily="18" charset="0"/>
-              <a:cs typeface="Times New Roman" panose="02020603050405020304" pitchFamily="18" charset="0"/>
-            </a:endParaRPr>
-          </a:p>
         </p:txBody>
       </p:sp>
       <p:sp>
@@ -10815,7 +10734,7 @@
         </p:spPr>
         <p:txBody>
           <a:bodyPr>
-            <a:normAutofit lnSpcReduction="10000"/>
+            <a:normAutofit/>
           </a:bodyPr>
           <a:lstStyle/>
           <a:p>
@@ -11021,92 +10940,6 @@
               <a:buNone/>
             </a:pPr>
             <a:endParaRPr lang="en-GB" sz="1800" b="1" i="1" dirty="0">
-              <a:latin typeface="Helvetica" panose="020B0604020202020204" pitchFamily="34" charset="0"/>
-              <a:ea typeface="Times New Roman" panose="02020603050405020304" pitchFamily="18" charset="0"/>
-              <a:cs typeface="Times New Roman" panose="02020603050405020304" pitchFamily="18" charset="0"/>
-            </a:endParaRPr>
-          </a:p>
-          <a:p>
-            <a:pPr marL="0" indent="0">
-              <a:lnSpc>
-                <a:spcPct val="107000"/>
-              </a:lnSpc>
-              <a:spcBef>
-                <a:spcPts val="1050"/>
-              </a:spcBef>
-              <a:spcAft>
-                <a:spcPts val="1050"/>
-              </a:spcAft>
-              <a:buNone/>
-            </a:pPr>
-            <a:endParaRPr lang="en-GB" sz="1800" b="1" i="1" dirty="0">
-              <a:effectLst/>
-              <a:latin typeface="Helvetica" panose="020B0604020202020204" pitchFamily="34" charset="0"/>
-              <a:ea typeface="Times New Roman" panose="02020603050405020304" pitchFamily="18" charset="0"/>
-              <a:cs typeface="Times New Roman" panose="02020603050405020304" pitchFamily="18" charset="0"/>
-            </a:endParaRPr>
-          </a:p>
-          <a:p>
-            <a:pPr marL="0" indent="0">
-              <a:lnSpc>
-                <a:spcPct val="107000"/>
-              </a:lnSpc>
-              <a:spcBef>
-                <a:spcPts val="1050"/>
-              </a:spcBef>
-              <a:spcAft>
-                <a:spcPts val="1050"/>
-              </a:spcAft>
-              <a:buNone/>
-            </a:pPr>
-            <a:endParaRPr lang="en-GB" sz="1800" b="1" i="1" dirty="0">
-              <a:latin typeface="Helvetica" panose="020B0604020202020204" pitchFamily="34" charset="0"/>
-              <a:ea typeface="Times New Roman" panose="02020603050405020304" pitchFamily="18" charset="0"/>
-              <a:cs typeface="Times New Roman" panose="02020603050405020304" pitchFamily="18" charset="0"/>
-            </a:endParaRPr>
-          </a:p>
-          <a:p>
-            <a:pPr marL="0" indent="0">
-              <a:lnSpc>
-                <a:spcPct val="107000"/>
-              </a:lnSpc>
-              <a:spcBef>
-                <a:spcPts val="1050"/>
-              </a:spcBef>
-              <a:spcAft>
-                <a:spcPts val="1050"/>
-              </a:spcAft>
-              <a:buNone/>
-            </a:pPr>
-            <a:r>
-              <a:rPr lang="en-GB" sz="1800" b="1" i="1" dirty="0">
-                <a:effectLst/>
-                <a:latin typeface="Helvetica" panose="020B0604020202020204" pitchFamily="34" charset="0"/>
-                <a:ea typeface="Times New Roman" panose="02020603050405020304" pitchFamily="18" charset="0"/>
-                <a:cs typeface="Times New Roman" panose="02020603050405020304" pitchFamily="18" charset="0"/>
-              </a:rPr>
-              <a:t>Copyright 2022 The MathWorks, Inc. &amp; Opti-</a:t>
-            </a:r>
-            <a:r>
-              <a:rPr lang="en-GB" sz="1800" b="1" i="1" dirty="0" err="1">
-                <a:effectLst/>
-                <a:latin typeface="Helvetica" panose="020B0604020202020204" pitchFamily="34" charset="0"/>
-                <a:ea typeface="Times New Roman" panose="02020603050405020304" pitchFamily="18" charset="0"/>
-                <a:cs typeface="Times New Roman" panose="02020603050405020304" pitchFamily="18" charset="0"/>
-              </a:rPr>
-              <a:t>Num</a:t>
-            </a:r>
-            <a:r>
-              <a:rPr lang="en-GB" sz="1800" b="1" i="1" dirty="0">
-                <a:effectLst/>
-                <a:latin typeface="Helvetica" panose="020B0604020202020204" pitchFamily="34" charset="0"/>
-                <a:ea typeface="Times New Roman" panose="02020603050405020304" pitchFamily="18" charset="0"/>
-                <a:cs typeface="Times New Roman" panose="02020603050405020304" pitchFamily="18" charset="0"/>
-              </a:rPr>
-              <a:t> Solutions (Pty) Ltd.</a:t>
-            </a:r>
-            <a:endParaRPr lang="en-ZA" sz="1800" dirty="0">
-              <a:effectLst/>
               <a:latin typeface="Helvetica" panose="020B0604020202020204" pitchFamily="34" charset="0"/>
               <a:ea typeface="Times New Roman" panose="02020603050405020304" pitchFamily="18" charset="0"/>
               <a:cs typeface="Times New Roman" panose="02020603050405020304" pitchFamily="18" charset="0"/>
@@ -11406,15 +11239,176 @@
               </a:rPr>
               <a:t>Week_4_Part_2_Inputs_and_Outputs.mlx</a:t>
             </a:r>
-            <a:endParaRPr kumimoji="0" lang="en-ZA" altLang="en-US" sz="1600" b="0" i="0" u="none" strike="noStrike" cap="none" normalizeH="0" baseline="0" dirty="0">
-              <a:ln>
-                <a:noFill/>
-              </a:ln>
-              <a:solidFill>
-                <a:schemeClr val="tx1"/>
-              </a:solidFill>
+            <a:endParaRPr lang="en-ZA" sz="1600" dirty="0">
               <a:effectLst/>
-              <a:latin typeface="Arial" panose="020B0604020202020204" pitchFamily="34" charset="0"/>
+              <a:latin typeface="Helvetica" panose="020B0604020202020204" pitchFamily="34" charset="0"/>
+              <a:ea typeface="Times New Roman" panose="02020603050405020304" pitchFamily="18" charset="0"/>
+              <a:cs typeface="Times New Roman" panose="02020603050405020304" pitchFamily="18" charset="0"/>
+            </a:endParaRPr>
+          </a:p>
+          <a:p>
+            <a:pPr marL="0" indent="0">
+              <a:lnSpc>
+                <a:spcPct val="107000"/>
+              </a:lnSpc>
+              <a:spcBef>
+                <a:spcPts val="1050"/>
+              </a:spcBef>
+              <a:spcAft>
+                <a:spcPts val="1050"/>
+              </a:spcAft>
+              <a:buNone/>
+            </a:pPr>
+            <a:endParaRPr lang="en-GB" sz="1800" b="1" i="1" dirty="0">
+              <a:effectLst/>
+              <a:latin typeface="Helvetica" panose="020B0604020202020204" pitchFamily="34" charset="0"/>
+              <a:ea typeface="Times New Roman" panose="02020603050405020304" pitchFamily="18" charset="0"/>
+              <a:cs typeface="Times New Roman" panose="02020603050405020304" pitchFamily="18" charset="0"/>
+            </a:endParaRPr>
+          </a:p>
+          <a:p>
+            <a:pPr marL="0" indent="0">
+              <a:lnSpc>
+                <a:spcPct val="107000"/>
+              </a:lnSpc>
+              <a:spcBef>
+                <a:spcPts val="1050"/>
+              </a:spcBef>
+              <a:spcAft>
+                <a:spcPts val="1050"/>
+              </a:spcAft>
+              <a:buNone/>
+            </a:pPr>
+            <a:endParaRPr lang="en-GB" sz="1800" b="1" i="1" dirty="0">
+              <a:latin typeface="Helvetica" panose="020B0604020202020204" pitchFamily="34" charset="0"/>
+              <a:ea typeface="Times New Roman" panose="02020603050405020304" pitchFamily="18" charset="0"/>
+              <a:cs typeface="Times New Roman" panose="02020603050405020304" pitchFamily="18" charset="0"/>
+            </a:endParaRPr>
+          </a:p>
+          <a:p>
+            <a:pPr marL="0" indent="0">
+              <a:lnSpc>
+                <a:spcPct val="107000"/>
+              </a:lnSpc>
+              <a:spcBef>
+                <a:spcPts val="1050"/>
+              </a:spcBef>
+              <a:spcAft>
+                <a:spcPts val="1050"/>
+              </a:spcAft>
+              <a:buNone/>
+            </a:pPr>
+            <a:endParaRPr lang="en-GB" sz="1800" b="1" i="1" dirty="0">
+              <a:effectLst/>
+              <a:latin typeface="Helvetica" panose="020B0604020202020204" pitchFamily="34" charset="0"/>
+              <a:ea typeface="Times New Roman" panose="02020603050405020304" pitchFamily="18" charset="0"/>
+              <a:cs typeface="Times New Roman" panose="02020603050405020304" pitchFamily="18" charset="0"/>
+            </a:endParaRPr>
+          </a:p>
+          <a:p>
+            <a:pPr marL="0" indent="0">
+              <a:lnSpc>
+                <a:spcPct val="107000"/>
+              </a:lnSpc>
+              <a:spcBef>
+                <a:spcPts val="1050"/>
+              </a:spcBef>
+              <a:spcAft>
+                <a:spcPts val="1050"/>
+              </a:spcAft>
+              <a:buNone/>
+            </a:pPr>
+            <a:endParaRPr lang="en-GB" sz="1800" b="1" i="1" dirty="0">
+              <a:latin typeface="Helvetica" panose="020B0604020202020204" pitchFamily="34" charset="0"/>
+              <a:ea typeface="Times New Roman" panose="02020603050405020304" pitchFamily="18" charset="0"/>
+              <a:cs typeface="Times New Roman" panose="02020603050405020304" pitchFamily="18" charset="0"/>
+            </a:endParaRPr>
+          </a:p>
+          <a:p>
+            <a:pPr marL="0" indent="0">
+              <a:lnSpc>
+                <a:spcPct val="107000"/>
+              </a:lnSpc>
+              <a:spcBef>
+                <a:spcPts val="1050"/>
+              </a:spcBef>
+              <a:spcAft>
+                <a:spcPts val="1050"/>
+              </a:spcAft>
+              <a:buNone/>
+            </a:pPr>
+            <a:endParaRPr lang="en-GB" sz="1800" b="1" i="1" dirty="0">
+              <a:effectLst/>
+              <a:latin typeface="Helvetica" panose="020B0604020202020204" pitchFamily="34" charset="0"/>
+              <a:ea typeface="Times New Roman" panose="02020603050405020304" pitchFamily="18" charset="0"/>
+              <a:cs typeface="Times New Roman" panose="02020603050405020304" pitchFamily="18" charset="0"/>
+            </a:endParaRPr>
+          </a:p>
+          <a:p>
+            <a:pPr marL="0" indent="0">
+              <a:lnSpc>
+                <a:spcPct val="107000"/>
+              </a:lnSpc>
+              <a:spcBef>
+                <a:spcPts val="1050"/>
+              </a:spcBef>
+              <a:spcAft>
+                <a:spcPts val="1050"/>
+              </a:spcAft>
+              <a:buNone/>
+            </a:pPr>
+            <a:endParaRPr lang="en-GB" sz="1800" b="1" i="1" dirty="0">
+              <a:effectLst/>
+              <a:latin typeface="Helvetica" panose="020B0604020202020204" pitchFamily="34" charset="0"/>
+              <a:ea typeface="Times New Roman" panose="02020603050405020304" pitchFamily="18" charset="0"/>
+              <a:cs typeface="Times New Roman" panose="02020603050405020304" pitchFamily="18" charset="0"/>
+            </a:endParaRPr>
+          </a:p>
+          <a:p>
+            <a:pPr marL="0" indent="0">
+              <a:lnSpc>
+                <a:spcPct val="107000"/>
+              </a:lnSpc>
+              <a:spcBef>
+                <a:spcPts val="1050"/>
+              </a:spcBef>
+              <a:spcAft>
+                <a:spcPts val="1050"/>
+              </a:spcAft>
+              <a:buNone/>
+            </a:pPr>
+            <a:r>
+              <a:rPr lang="en-GB" sz="1600" b="1" i="1" dirty="0">
+                <a:effectLst/>
+                <a:latin typeface="Helvetica" panose="020B0604020202020204" pitchFamily="34" charset="0"/>
+                <a:ea typeface="Times New Roman" panose="02020603050405020304" pitchFamily="18" charset="0"/>
+                <a:cs typeface="Times New Roman" panose="02020603050405020304" pitchFamily="18" charset="0"/>
+              </a:rPr>
+              <a:t>Copyright 2022 The MathWorks, Inc. &amp; Opti-</a:t>
+            </a:r>
+            <a:r>
+              <a:rPr lang="en-GB" sz="1600" b="1" i="1" dirty="0" err="1">
+                <a:effectLst/>
+                <a:latin typeface="Helvetica" panose="020B0604020202020204" pitchFamily="34" charset="0"/>
+                <a:ea typeface="Times New Roman" panose="02020603050405020304" pitchFamily="18" charset="0"/>
+                <a:cs typeface="Times New Roman" panose="02020603050405020304" pitchFamily="18" charset="0"/>
+              </a:rPr>
+              <a:t>Num</a:t>
+            </a:r>
+            <a:r>
+              <a:rPr lang="en-GB" sz="1600" b="1" i="1" dirty="0">
+                <a:effectLst/>
+                <a:latin typeface="Helvetica" panose="020B0604020202020204" pitchFamily="34" charset="0"/>
+                <a:ea typeface="Times New Roman" panose="02020603050405020304" pitchFamily="18" charset="0"/>
+                <a:cs typeface="Times New Roman" panose="02020603050405020304" pitchFamily="18" charset="0"/>
+              </a:rPr>
+              <a:t> Solutions (Pty) Ltd.</a:t>
+            </a:r>
+            <a:endParaRPr lang="en-ZA" sz="1600" dirty="0">
+              <a:effectLst/>
+              <a:latin typeface="Helvetica" panose="020B0604020202020204" pitchFamily="34" charset="0"/>
+              <a:ea typeface="Times New Roman" panose="02020603050405020304" pitchFamily="18" charset="0"/>
+              <a:cs typeface="Times New Roman" panose="02020603050405020304" pitchFamily="18" charset="0"/>
             </a:endParaRPr>
           </a:p>
         </p:txBody>
@@ -11674,7 +11668,7 @@
               <a:buNone/>
             </a:pPr>
             <a:r>
-              <a:rPr lang="en-ZA" sz="1800" dirty="0">
+              <a:rPr lang="en-ZA" sz="1600" dirty="0">
                 <a:effectLst/>
                 <a:latin typeface="Helvetica" panose="020B0604020202020204" pitchFamily="34" charset="0"/>
                 <a:ea typeface="Times New Roman" panose="02020603050405020304" pitchFamily="18" charset="0"/>
@@ -11695,7 +11689,7 @@
               </a:tabLst>
             </a:pPr>
             <a:r>
-              <a:rPr lang="en-ZA" sz="1800" dirty="0">
+              <a:rPr lang="en-ZA" sz="1600" dirty="0">
                 <a:effectLst/>
                 <a:latin typeface="Helvetica" panose="020B0604020202020204" pitchFamily="34" charset="0"/>
                 <a:ea typeface="Times New Roman" panose="02020603050405020304" pitchFamily="18" charset="0"/>
@@ -11716,7 +11710,7 @@
               </a:tabLst>
             </a:pPr>
             <a:r>
-              <a:rPr lang="en-ZA" sz="1800" dirty="0">
+              <a:rPr lang="en-ZA" sz="1600" dirty="0">
                 <a:effectLst/>
                 <a:latin typeface="Helvetica" panose="020B0604020202020204" pitchFamily="34" charset="0"/>
                 <a:ea typeface="Times New Roman" panose="02020603050405020304" pitchFamily="18" charset="0"/>
@@ -11986,7 +11980,7 @@
               <a:tabLst/>
             </a:pPr>
             <a:r>
-              <a:rPr lang="en-ZA" sz="1500" dirty="0">
+              <a:rPr lang="en-ZA" sz="1600" dirty="0">
                 <a:effectLst/>
                 <a:latin typeface="Helvetica" panose="020B0604020202020204" pitchFamily="34" charset="0"/>
                 <a:ea typeface="Times New Roman" panose="02020603050405020304" pitchFamily="18" charset="0"/>
@@ -11994,7 +11988,7 @@
               </a:rPr>
               <a:t>In Part B we continue learning about different ways to read and write data in MATLAB , we also look at interactive apps that allow you to process data and finally, we touch on reading and writing unstructured data types.</a:t>
             </a:r>
-            <a:endParaRPr kumimoji="0" lang="en-ZA" altLang="en-US" sz="1500" b="0" i="0" u="none" strike="noStrike" cap="none" normalizeH="0" baseline="0" dirty="0">
+            <a:endParaRPr kumimoji="0" lang="en-ZA" altLang="en-US" sz="1600" b="0" i="0" u="none" strike="noStrike" cap="none" normalizeH="0" baseline="0" dirty="0">
               <a:ln>
                 <a:noFill/>
               </a:ln>
@@ -12266,7 +12260,7 @@
               <a:tabLst/>
             </a:pPr>
             <a:r>
-              <a:rPr lang="en-ZA" sz="1500" b="1" dirty="0">
+              <a:rPr lang="en-ZA" sz="1600" b="1" dirty="0">
                 <a:effectLst/>
                 <a:latin typeface="Helvetica" panose="020B0604020202020204" pitchFamily="34" charset="0"/>
                 <a:ea typeface="Times New Roman" panose="02020603050405020304" pitchFamily="18" charset="0"/>
@@ -12292,7 +12286,7 @@
               <a:buNone/>
               <a:tabLst/>
             </a:pPr>
-            <a:endParaRPr lang="en-ZA" sz="1500" dirty="0">
+            <a:endParaRPr lang="en-ZA" sz="1600" dirty="0">
               <a:latin typeface="Helvetica" panose="020B0604020202020204" pitchFamily="34" charset="0"/>
               <a:ea typeface="Times New Roman" panose="02020603050405020304" pitchFamily="18" charset="0"/>
               <a:cs typeface="Times New Roman" panose="02020603050405020304" pitchFamily="18" charset="0"/>
@@ -12312,7 +12306,7 @@
               <a:buNone/>
             </a:pPr>
             <a:r>
-              <a:rPr lang="en-ZA" sz="1500" dirty="0">
+              <a:rPr lang="en-ZA" sz="1600" dirty="0">
                 <a:effectLst/>
                 <a:latin typeface="Helvetica" panose="020B0604020202020204" pitchFamily="34" charset="0"/>
                 <a:ea typeface="Times New Roman" panose="02020603050405020304" pitchFamily="18" charset="0"/>
@@ -12329,7 +12323,7 @@
               <a:buNone/>
             </a:pPr>
             <a:r>
-              <a:rPr lang="en-ZA" sz="1500" dirty="0">
+              <a:rPr lang="en-ZA" sz="1600" dirty="0">
                 <a:effectLst/>
                 <a:latin typeface="Helvetica" panose="020B0604020202020204" pitchFamily="34" charset="0"/>
                 <a:ea typeface="Times New Roman" panose="02020603050405020304" pitchFamily="18" charset="0"/>
@@ -12338,7 +12332,7 @@
               <a:t>The methods discussed above (</a:t>
             </a:r>
             <a:r>
-              <a:rPr lang="en-ZA" sz="1500" dirty="0" err="1">
+              <a:rPr lang="en-ZA" sz="1600" dirty="0" err="1">
                 <a:solidFill>
                   <a:srgbClr val="005FCE"/>
                 </a:solidFill>
@@ -12351,7 +12345,7 @@
               <a:t>fscanf</a:t>
             </a:r>
             <a:r>
-              <a:rPr lang="en-ZA" sz="1500" dirty="0">
+              <a:rPr lang="en-ZA" sz="1600" dirty="0">
                 <a:effectLst/>
                 <a:latin typeface="Helvetica" panose="020B0604020202020204" pitchFamily="34" charset="0"/>
                 <a:ea typeface="Times New Roman" panose="02020603050405020304" pitchFamily="18" charset="0"/>
@@ -12360,7 +12354,7 @@
               <a:t> and </a:t>
             </a:r>
             <a:r>
-              <a:rPr lang="en-ZA" sz="1500" dirty="0">
+              <a:rPr lang="en-ZA" sz="1600" dirty="0">
                 <a:solidFill>
                   <a:srgbClr val="005FCE"/>
                 </a:solidFill>
@@ -12373,7 +12367,7 @@
               <a:t>load</a:t>
             </a:r>
             <a:r>
-              <a:rPr lang="en-ZA" sz="1500" dirty="0">
+              <a:rPr lang="en-ZA" sz="1600" dirty="0">
                 <a:effectLst/>
                 <a:latin typeface="Helvetica" panose="020B0604020202020204" pitchFamily="34" charset="0"/>
                 <a:ea typeface="Times New Roman" panose="02020603050405020304" pitchFamily="18" charset="0"/>
@@ -12382,7 +12376,7 @@
               <a:t>)  whilst functional, are rather primitive, in that they require a bit of effort by the user to know something about the structure of the file and its format. MATLAB has a long list of advanced Input/Output (IO) functions that can handle a wide variety of data file formats. The most common function used to read tabulated data, whether as an Excel spreadsheet or a comma-separated value file, </a:t>
             </a:r>
             <a:r>
-              <a:rPr lang="en-ZA" sz="1500" dirty="0" err="1">
+              <a:rPr lang="en-ZA" sz="1600" dirty="0" err="1">
                 <a:solidFill>
                   <a:srgbClr val="005FCE"/>
                 </a:solidFill>
@@ -12395,7 +12389,7 @@
               <a:t>readmatrix</a:t>
             </a:r>
             <a:r>
-              <a:rPr lang="en-ZA" sz="1500" dirty="0">
+              <a:rPr lang="en-ZA" sz="1600" dirty="0">
                 <a:effectLst/>
                 <a:latin typeface="Helvetica" panose="020B0604020202020204" pitchFamily="34" charset="0"/>
                 <a:ea typeface="Times New Roman" panose="02020603050405020304" pitchFamily="18" charset="0"/>
@@ -12404,7 +12398,7 @@
               <a:t> and </a:t>
             </a:r>
             <a:r>
-              <a:rPr lang="en-ZA" sz="1500" dirty="0" err="1">
+              <a:rPr lang="en-ZA" sz="1600" dirty="0" err="1">
                 <a:solidFill>
                   <a:srgbClr val="005FCE"/>
                 </a:solidFill>
@@ -12417,7 +12411,7 @@
               <a:t>readtable</a:t>
             </a:r>
             <a:r>
-              <a:rPr lang="en-ZA" sz="1500" dirty="0">
+              <a:rPr lang="en-ZA" sz="1600" dirty="0">
                 <a:effectLst/>
                 <a:latin typeface="Helvetica" panose="020B0604020202020204" pitchFamily="34" charset="0"/>
                 <a:ea typeface="Times New Roman" panose="02020603050405020304" pitchFamily="18" charset="0"/>
@@ -12425,7 +12419,7 @@
               </a:rPr>
               <a:t>.</a:t>
             </a:r>
-            <a:endParaRPr kumimoji="0" lang="en-ZA" altLang="en-US" sz="1500" b="0" i="0" u="none" strike="noStrike" cap="none" normalizeH="0" baseline="0" dirty="0">
+            <a:endParaRPr kumimoji="0" lang="en-ZA" altLang="en-US" sz="1600" b="0" i="0" u="none" strike="noStrike" cap="none" normalizeH="0" baseline="0" dirty="0">
               <a:ln>
                 <a:noFill/>
               </a:ln>
@@ -12670,8 +12664,8 @@
         </p:nvSpPr>
         <p:spPr>
           <a:xfrm>
-            <a:off x="462013" y="3868046"/>
-            <a:ext cx="8229600" cy="720000"/>
+            <a:off x="462013" y="3975046"/>
+            <a:ext cx="8229600" cy="828000"/>
           </a:xfrm>
           <a:prstGeom prst="rect">
             <a:avLst/>
@@ -12728,7 +12722,7 @@
         </p:nvSpPr>
         <p:spPr>
           <a:xfrm>
-            <a:off x="462013" y="5820671"/>
+            <a:off x="462013" y="6122233"/>
             <a:ext cx="8229600" cy="360000"/>
           </a:xfrm>
           <a:prstGeom prst="rect">
@@ -12871,7 +12865,7 @@
               <a:tabLst/>
             </a:pPr>
             <a:r>
-              <a:rPr lang="en-ZA" sz="1500" dirty="0">
+              <a:rPr lang="en-ZA" sz="1600" dirty="0">
                 <a:latin typeface="Helvetica" panose="020B0604020202020204" pitchFamily="34" charset="0"/>
                 <a:ea typeface="Times New Roman" panose="02020603050405020304" pitchFamily="18" charset="0"/>
                 <a:cs typeface="Times New Roman" panose="02020603050405020304" pitchFamily="18" charset="0"/>
@@ -12879,7 +12873,7 @@
               <a:t>          </a:t>
             </a:r>
             <a:r>
-              <a:rPr lang="en-ZA" sz="1500" dirty="0">
+              <a:rPr lang="en-ZA" sz="1600" dirty="0">
                 <a:effectLst/>
                 <a:latin typeface="Helvetica" panose="020B0604020202020204" pitchFamily="34" charset="0"/>
                 <a:ea typeface="Times New Roman" panose="02020603050405020304" pitchFamily="18" charset="0"/>
@@ -12888,7 +12882,7 @@
               <a:t>Reading data from files using </a:t>
             </a:r>
             <a:r>
-              <a:rPr lang="en-ZA" sz="1500" dirty="0" err="1">
+              <a:rPr lang="en-ZA" sz="1600" dirty="0" err="1">
                 <a:solidFill>
                   <a:srgbClr val="005FCE"/>
                 </a:solidFill>
@@ -12901,7 +12895,7 @@
               <a:t>readmatrix</a:t>
             </a:r>
             <a:r>
-              <a:rPr lang="en-ZA" sz="1500" dirty="0">
+              <a:rPr lang="en-ZA" sz="1600" dirty="0">
                 <a:effectLst/>
                 <a:latin typeface="Helvetica" panose="020B0604020202020204" pitchFamily="34" charset="0"/>
                 <a:ea typeface="Times New Roman" panose="02020603050405020304" pitchFamily="18" charset="0"/>
@@ -12927,7 +12921,7 @@
               <a:buNone/>
               <a:tabLst/>
             </a:pPr>
-            <a:endParaRPr lang="en-ZA" sz="1500" dirty="0">
+            <a:endParaRPr lang="en-ZA" sz="1600" dirty="0">
               <a:effectLst/>
               <a:latin typeface="Helvetica" panose="020B0604020202020204" pitchFamily="34" charset="0"/>
               <a:ea typeface="Times New Roman" panose="02020603050405020304" pitchFamily="18" charset="0"/>
@@ -12945,7 +12939,7 @@
               <a:buNone/>
             </a:pPr>
             <a:r>
-              <a:rPr lang="en-ZA" sz="1500" dirty="0">
+              <a:rPr lang="en-ZA" sz="1600" dirty="0">
                 <a:solidFill>
                   <a:srgbClr val="000000"/>
                 </a:solidFill>
@@ -12957,7 +12951,7 @@
               <a:t>mat1 = </a:t>
             </a:r>
             <a:r>
-              <a:rPr lang="en-ZA" sz="1500" dirty="0" err="1">
+              <a:rPr lang="en-ZA" sz="1600" dirty="0" err="1">
                 <a:solidFill>
                   <a:srgbClr val="000000"/>
                 </a:solidFill>
@@ -12969,7 +12963,7 @@
               <a:t>readmatrix</a:t>
             </a:r>
             <a:r>
-              <a:rPr lang="en-ZA" sz="1500" dirty="0">
+              <a:rPr lang="en-ZA" sz="1600" dirty="0">
                 <a:solidFill>
                   <a:srgbClr val="000000"/>
                 </a:solidFill>
@@ -12981,7 +12975,7 @@
               <a:t>(</a:t>
             </a:r>
             <a:r>
-              <a:rPr lang="en-ZA" sz="1500" dirty="0">
+              <a:rPr lang="en-ZA" sz="1600" dirty="0">
                 <a:solidFill>
                   <a:srgbClr val="AA04F9"/>
                 </a:solidFill>
@@ -12993,7 +12987,7 @@
               <a:t>'matrix1.csv'</a:t>
             </a:r>
             <a:r>
-              <a:rPr lang="en-ZA" sz="1500" dirty="0">
+              <a:rPr lang="en-ZA" sz="1600" dirty="0">
                 <a:solidFill>
                   <a:srgbClr val="000000"/>
                 </a:solidFill>
@@ -13004,7 +12998,7 @@
               </a:rPr>
               <a:t>);</a:t>
             </a:r>
-            <a:endParaRPr lang="en-ZA" sz="1500" dirty="0">
+            <a:endParaRPr lang="en-ZA" sz="1600" dirty="0">
               <a:effectLst/>
               <a:latin typeface="Consolas" panose="020B0609020204030204" pitchFamily="49" charset="0"/>
               <a:ea typeface="Times New Roman" panose="02020603050405020304" pitchFamily="18" charset="0"/>
@@ -13022,7 +13016,7 @@
               <a:buNone/>
             </a:pPr>
             <a:r>
-              <a:rPr lang="en-ZA" sz="1500" dirty="0">
+              <a:rPr lang="en-ZA" sz="1600" dirty="0">
                 <a:solidFill>
                   <a:srgbClr val="000000"/>
                 </a:solidFill>
@@ -13034,7 +13028,7 @@
               <a:t>mat2 = </a:t>
             </a:r>
             <a:r>
-              <a:rPr lang="en-ZA" sz="1500" dirty="0" err="1">
+              <a:rPr lang="en-ZA" sz="1600" dirty="0" err="1">
                 <a:solidFill>
                   <a:srgbClr val="000000"/>
                 </a:solidFill>
@@ -13046,7 +13040,7 @@
               <a:t>readmatrix</a:t>
             </a:r>
             <a:r>
-              <a:rPr lang="en-ZA" sz="1500" dirty="0">
+              <a:rPr lang="en-ZA" sz="1600" dirty="0">
                 <a:solidFill>
                   <a:srgbClr val="000000"/>
                 </a:solidFill>
@@ -13058,7 +13052,7 @@
               <a:t>(</a:t>
             </a:r>
             <a:r>
-              <a:rPr lang="en-ZA" sz="1500" dirty="0">
+              <a:rPr lang="en-ZA" sz="1600" dirty="0">
                 <a:solidFill>
                   <a:srgbClr val="AA04F9"/>
                 </a:solidFill>
@@ -13070,7 +13064,7 @@
               <a:t>'matrix2.csv’</a:t>
             </a:r>
             <a:r>
-              <a:rPr lang="en-ZA" sz="1500" dirty="0">
+              <a:rPr lang="en-ZA" sz="1600" dirty="0">
                 <a:solidFill>
                   <a:srgbClr val="000000"/>
                 </a:solidFill>
@@ -13099,7 +13093,7 @@
               <a:buNone/>
               <a:tabLst/>
             </a:pPr>
-            <a:endParaRPr kumimoji="0" lang="en-ZA" altLang="en-US" sz="1500" b="0" i="0" u="none" strike="noStrike" cap="none" normalizeH="0" baseline="0" dirty="0">
+            <a:endParaRPr kumimoji="0" lang="en-ZA" altLang="en-US" sz="1600" b="0" i="0" u="none" strike="noStrike" cap="none" normalizeH="0" baseline="0" dirty="0">
               <a:ln>
                 <a:noFill/>
               </a:ln>
@@ -13124,7 +13118,7 @@
               <a:buNone/>
             </a:pPr>
             <a:r>
-              <a:rPr lang="en-ZA" sz="1500" b="1" dirty="0">
+              <a:rPr lang="en-ZA" sz="1600" b="1" dirty="0">
                 <a:effectLst/>
                 <a:latin typeface="Helvetica" panose="020B0604020202020204" pitchFamily="34" charset="0"/>
                 <a:ea typeface="Times New Roman" panose="02020603050405020304" pitchFamily="18" charset="0"/>
@@ -13132,7 +13126,7 @@
               </a:rPr>
               <a:t>          Now Try for Yourself!</a:t>
             </a:r>
-            <a:endParaRPr lang="en-ZA" sz="1500" dirty="0">
+            <a:endParaRPr lang="en-ZA" sz="1600" dirty="0">
               <a:effectLst/>
               <a:latin typeface="Helvetica" panose="020B0604020202020204" pitchFamily="34" charset="0"/>
               <a:ea typeface="Times New Roman" panose="02020603050405020304" pitchFamily="18" charset="0"/>
@@ -13153,7 +13147,7 @@
               <a:buNone/>
             </a:pPr>
             <a:r>
-              <a:rPr lang="en-ZA" sz="1500" dirty="0">
+              <a:rPr lang="en-ZA" sz="1600" dirty="0">
                 <a:effectLst/>
                 <a:latin typeface="Helvetica" panose="020B0604020202020204" pitchFamily="34" charset="0"/>
                 <a:ea typeface="Times New Roman" panose="02020603050405020304" pitchFamily="18" charset="0"/>
@@ -13162,7 +13156,7 @@
               <a:t>Create a .csv file that has random numbers, using the </a:t>
             </a:r>
             <a:r>
-              <a:rPr lang="en-ZA" sz="1500" dirty="0" err="1">
+              <a:rPr lang="en-ZA" sz="1600" dirty="0" err="1">
                 <a:effectLst/>
                 <a:latin typeface="Helvetica" panose="020B0604020202020204" pitchFamily="34" charset="0"/>
                 <a:ea typeface="Times New Roman" panose="02020603050405020304" pitchFamily="18" charset="0"/>
@@ -13171,7 +13165,7 @@
               <a:t>readmatrix</a:t>
             </a:r>
             <a:r>
-              <a:rPr lang="en-ZA" sz="1500" dirty="0">
+              <a:rPr lang="en-ZA" sz="1600" dirty="0">
                 <a:effectLst/>
                 <a:latin typeface="Helvetica" panose="020B0604020202020204" pitchFamily="34" charset="0"/>
                 <a:ea typeface="Times New Roman" panose="02020603050405020304" pitchFamily="18" charset="0"/>
@@ -13191,7 +13185,7 @@
               <a:buNone/>
             </a:pPr>
             <a:r>
-              <a:rPr lang="en-ZA" sz="1500" dirty="0">
+              <a:rPr lang="en-ZA" sz="1600" dirty="0">
                 <a:solidFill>
                   <a:srgbClr val="028009"/>
                 </a:solidFill>
@@ -13202,7 +13196,7 @@
               </a:rPr>
               <a:t>%This example will vary depending on what values a student puts into their</a:t>
             </a:r>
-            <a:endParaRPr lang="en-ZA" sz="1500" dirty="0">
+            <a:endParaRPr lang="en-ZA" sz="1600" dirty="0">
               <a:effectLst/>
               <a:latin typeface="Consolas" panose="020B0609020204030204" pitchFamily="49" charset="0"/>
               <a:ea typeface="Times New Roman" panose="02020603050405020304" pitchFamily="18" charset="0"/>
@@ -13220,7 +13214,7 @@
               <a:buNone/>
             </a:pPr>
             <a:r>
-              <a:rPr lang="en-ZA" sz="1500" dirty="0">
+              <a:rPr lang="en-ZA" sz="1600" dirty="0">
                 <a:solidFill>
                   <a:srgbClr val="028009"/>
                 </a:solidFill>
@@ -13232,7 +13226,7 @@
               <a:t>%csv file. It is important that students use the </a:t>
             </a:r>
             <a:r>
-              <a:rPr lang="en-ZA" sz="1500" dirty="0" err="1">
+              <a:rPr lang="en-ZA" sz="1600" dirty="0" err="1">
                 <a:solidFill>
                   <a:srgbClr val="028009"/>
                 </a:solidFill>
@@ -13244,7 +13238,7 @@
               <a:t>readmatrix</a:t>
             </a:r>
             <a:r>
-              <a:rPr lang="en-ZA" sz="1500" dirty="0">
+              <a:rPr lang="en-ZA" sz="1600" dirty="0">
                 <a:solidFill>
                   <a:srgbClr val="028009"/>
                 </a:solidFill>
@@ -13255,7 +13249,7 @@
               </a:rPr>
               <a:t> function.</a:t>
             </a:r>
-            <a:endParaRPr lang="en-ZA" sz="1500" dirty="0">
+            <a:endParaRPr lang="en-ZA" sz="1600" dirty="0">
               <a:effectLst/>
               <a:latin typeface="Consolas" panose="020B0609020204030204" pitchFamily="49" charset="0"/>
               <a:ea typeface="Times New Roman" panose="02020603050405020304" pitchFamily="18" charset="0"/>
@@ -13276,7 +13270,7 @@
               <a:buNone/>
             </a:pPr>
             <a:r>
-              <a:rPr lang="en-ZA" sz="1500" dirty="0">
+              <a:rPr lang="en-ZA" sz="1600" dirty="0">
                 <a:effectLst/>
                 <a:latin typeface="Helvetica" panose="020B0604020202020204" pitchFamily="34" charset="0"/>
                 <a:ea typeface="Times New Roman" panose="02020603050405020304" pitchFamily="18" charset="0"/>
@@ -13299,7 +13293,7 @@
               <a:buNone/>
             </a:pPr>
             <a:r>
-              <a:rPr lang="en-ZA" sz="1500" dirty="0">
+              <a:rPr lang="en-ZA" sz="1600" dirty="0">
                 <a:latin typeface="Helvetica" panose="020B0604020202020204" pitchFamily="34" charset="0"/>
                 <a:ea typeface="Times New Roman" panose="02020603050405020304" pitchFamily="18" charset="0"/>
                 <a:cs typeface="Times New Roman" panose="02020603050405020304" pitchFamily="18" charset="0"/>
@@ -13307,7 +13301,7 @@
               <a:t>          </a:t>
             </a:r>
             <a:r>
-              <a:rPr lang="en-ZA" sz="1500" dirty="0">
+              <a:rPr lang="en-ZA" sz="1600" dirty="0">
                 <a:effectLst/>
                 <a:latin typeface="Helvetica" panose="020B0604020202020204" pitchFamily="34" charset="0"/>
                 <a:ea typeface="Times New Roman" panose="02020603050405020304" pitchFamily="18" charset="0"/>
@@ -13333,7 +13327,7 @@
               </a:tabLst>
             </a:pPr>
             <a:r>
-              <a:rPr lang="en-ZA" sz="1500" dirty="0">
+              <a:rPr lang="en-ZA" sz="1600" dirty="0">
                 <a:solidFill>
                   <a:srgbClr val="000000"/>
                 </a:solidFill>
@@ -13344,7 +13338,7 @@
               </a:rPr>
               <a:t>	mat3 = mat1 * mat2</a:t>
             </a:r>
-            <a:endParaRPr lang="en-ZA" sz="1500" dirty="0">
+            <a:endParaRPr lang="en-ZA" sz="1600" dirty="0">
               <a:effectLst/>
               <a:latin typeface="Consolas" panose="020B0609020204030204" pitchFamily="49" charset="0"/>
               <a:ea typeface="Times New Roman" panose="02020603050405020304" pitchFamily="18" charset="0"/>
@@ -13368,7 +13362,7 @@
               <a:buNone/>
               <a:tabLst/>
             </a:pPr>
-            <a:endParaRPr kumimoji="0" lang="en-ZA" altLang="en-US" sz="1500" b="0" i="0" u="none" strike="noStrike" cap="none" normalizeH="0" baseline="0" dirty="0">
+            <a:endParaRPr kumimoji="0" lang="en-ZA" altLang="en-US" sz="1600" b="0" i="0" u="none" strike="noStrike" cap="none" normalizeH="0" baseline="0" dirty="0">
               <a:ln>
                 <a:noFill/>
               </a:ln>
@@ -13577,7 +13571,7 @@
         </p:blipFill>
         <p:spPr bwMode="auto">
           <a:xfrm>
-            <a:off x="565731" y="4943096"/>
+            <a:off x="565731" y="5264107"/>
             <a:ext cx="493026" cy="468000"/>
           </a:xfrm>
           <a:prstGeom prst="rect">
@@ -13679,8 +13673,8 @@
         </p:nvSpPr>
         <p:spPr>
           <a:xfrm>
-            <a:off x="462013" y="3220346"/>
-            <a:ext cx="8229600" cy="2160000"/>
+            <a:off x="384189" y="3298170"/>
+            <a:ext cx="8388000" cy="2160000"/>
           </a:xfrm>
           <a:prstGeom prst="rect">
             <a:avLst/>
@@ -13853,8 +13847,8 @@
         </p:nvSpPr>
         <p:spPr>
           <a:xfrm>
-            <a:off x="465022" y="1276983"/>
-            <a:ext cx="8127327" cy="5112000"/>
+            <a:off x="233464" y="1276983"/>
+            <a:ext cx="8657617" cy="5112000"/>
           </a:xfrm>
         </p:spPr>
         <p:txBody>
@@ -13880,7 +13874,7 @@
               <a:tabLst/>
             </a:pPr>
             <a:r>
-              <a:rPr lang="en-ZA" sz="1500" dirty="0">
+              <a:rPr lang="en-ZA" sz="1600" dirty="0">
                 <a:effectLst/>
                 <a:latin typeface="Helvetica" panose="020B0604020202020204" pitchFamily="34" charset="0"/>
                 <a:ea typeface="Times New Roman" panose="02020603050405020304" pitchFamily="18" charset="0"/>
@@ -13889,7 +13883,7 @@
               <a:t>The </a:t>
             </a:r>
             <a:r>
-              <a:rPr lang="en-ZA" sz="1500" dirty="0" err="1">
+              <a:rPr lang="en-ZA" sz="1600" dirty="0" err="1">
                 <a:effectLst/>
                 <a:latin typeface="Helvetica" panose="020B0604020202020204" pitchFamily="34" charset="0"/>
                 <a:ea typeface="Times New Roman" panose="02020603050405020304" pitchFamily="18" charset="0"/>
@@ -13898,7 +13892,7 @@
               <a:t>writematrix</a:t>
             </a:r>
             <a:r>
-              <a:rPr lang="en-ZA" sz="1500" dirty="0">
+              <a:rPr lang="en-ZA" sz="1600" dirty="0">
                 <a:effectLst/>
                 <a:latin typeface="Helvetica" panose="020B0604020202020204" pitchFamily="34" charset="0"/>
                 <a:ea typeface="Times New Roman" panose="02020603050405020304" pitchFamily="18" charset="0"/>
@@ -13924,7 +13918,7 @@
               <a:buNone/>
               <a:tabLst/>
             </a:pPr>
-            <a:endParaRPr lang="en-ZA" sz="1500" dirty="0">
+            <a:endParaRPr lang="en-ZA" sz="1600" dirty="0">
               <a:effectLst/>
               <a:latin typeface="Helvetica" panose="020B0604020202020204" pitchFamily="34" charset="0"/>
               <a:ea typeface="Times New Roman" panose="02020603050405020304" pitchFamily="18" charset="0"/>
@@ -13948,7 +13942,7 @@
               </a:tabLst>
             </a:pPr>
             <a:r>
-              <a:rPr lang="en-ZA" sz="1500" dirty="0">
+              <a:rPr lang="en-ZA" sz="1600" dirty="0">
                 <a:solidFill>
                   <a:srgbClr val="000000"/>
                 </a:solidFill>
@@ -13960,7 +13954,7 @@
               <a:t>	</a:t>
             </a:r>
             <a:r>
-              <a:rPr lang="en-ZA" sz="1500" dirty="0" err="1">
+              <a:rPr lang="en-ZA" sz="1600" dirty="0" err="1">
                 <a:solidFill>
                   <a:srgbClr val="000000"/>
                 </a:solidFill>
@@ -13972,7 +13966,7 @@
               <a:t>writematrix</a:t>
             </a:r>
             <a:r>
-              <a:rPr lang="en-ZA" sz="1500" dirty="0">
+              <a:rPr lang="en-ZA" sz="1600" dirty="0">
                 <a:solidFill>
                   <a:srgbClr val="000000"/>
                 </a:solidFill>
@@ -13984,7 +13978,7 @@
               <a:t>(mat3, </a:t>
             </a:r>
             <a:r>
-              <a:rPr lang="en-ZA" sz="1500" dirty="0">
+              <a:rPr lang="en-ZA" sz="1600" dirty="0">
                 <a:solidFill>
                   <a:srgbClr val="AA04F9"/>
                 </a:solidFill>
@@ -13996,7 +13990,7 @@
               <a:t>'matrix3.csv’</a:t>
             </a:r>
             <a:r>
-              <a:rPr lang="en-ZA" sz="1500" dirty="0">
+              <a:rPr lang="en-ZA" sz="1600" dirty="0">
                 <a:solidFill>
                   <a:srgbClr val="000000"/>
                 </a:solidFill>
@@ -14007,7 +14001,7 @@
               </a:rPr>
               <a:t>)</a:t>
             </a:r>
-            <a:endParaRPr lang="en-ZA" sz="1500" dirty="0">
+            <a:endParaRPr lang="en-ZA" sz="1600" dirty="0">
               <a:effectLst/>
               <a:latin typeface="Consolas" panose="020B0609020204030204" pitchFamily="49" charset="0"/>
               <a:ea typeface="Times New Roman" panose="02020603050405020304" pitchFamily="18" charset="0"/>
@@ -14031,7 +14025,7 @@
               <a:buNone/>
               <a:tabLst/>
             </a:pPr>
-            <a:endParaRPr kumimoji="0" lang="en-ZA" altLang="en-US" sz="1500" b="0" i="0" u="none" strike="noStrike" cap="none" normalizeH="0" baseline="0" dirty="0">
+            <a:endParaRPr kumimoji="0" lang="en-ZA" altLang="en-US" sz="1600" b="0" i="0" u="none" strike="noStrike" cap="none" normalizeH="0" baseline="0" dirty="0">
               <a:ln>
                 <a:noFill/>
               </a:ln>
@@ -14060,7 +14054,7 @@
               <a:tabLst/>
             </a:pPr>
             <a:r>
-              <a:rPr lang="en-ZA" sz="1500" dirty="0">
+              <a:rPr lang="en-ZA" sz="1600" dirty="0">
                 <a:effectLst/>
                 <a:latin typeface="Helvetica" panose="020B0604020202020204" pitchFamily="34" charset="0"/>
                 <a:ea typeface="Times New Roman" panose="02020603050405020304" pitchFamily="18" charset="0"/>
@@ -14069,7 +14063,7 @@
               <a:t>Alternative to using the </a:t>
             </a:r>
             <a:r>
-              <a:rPr lang="en-ZA" sz="1500" dirty="0" err="1">
+              <a:rPr lang="en-ZA" sz="1600" dirty="0" err="1">
                 <a:effectLst/>
                 <a:latin typeface="Helvetica" panose="020B0604020202020204" pitchFamily="34" charset="0"/>
                 <a:ea typeface="Times New Roman" panose="02020603050405020304" pitchFamily="18" charset="0"/>
@@ -14078,7 +14072,7 @@
               <a:t>readmatrix</a:t>
             </a:r>
             <a:r>
-              <a:rPr lang="en-ZA" sz="1500" dirty="0">
+              <a:rPr lang="en-ZA" sz="1600" dirty="0">
                 <a:effectLst/>
                 <a:latin typeface="Helvetica" panose="020B0604020202020204" pitchFamily="34" charset="0"/>
                 <a:ea typeface="Times New Roman" panose="02020603050405020304" pitchFamily="18" charset="0"/>
@@ -14087,7 +14081,7 @@
               <a:t> which outputs the contents of a file into a matrix structure, the </a:t>
             </a:r>
             <a:r>
-              <a:rPr lang="en-ZA" sz="1500" dirty="0" err="1">
+              <a:rPr lang="en-ZA" sz="1600" dirty="0" err="1">
                 <a:effectLst/>
                 <a:latin typeface="Helvetica" panose="020B0604020202020204" pitchFamily="34" charset="0"/>
                 <a:ea typeface="Times New Roman" panose="02020603050405020304" pitchFamily="18" charset="0"/>
@@ -14096,7 +14090,7 @@
               <a:t>readtable</a:t>
             </a:r>
             <a:r>
-              <a:rPr lang="en-ZA" sz="1500" dirty="0">
+              <a:rPr lang="en-ZA" sz="1600" dirty="0">
                 <a:effectLst/>
                 <a:latin typeface="Helvetica" panose="020B0604020202020204" pitchFamily="34" charset="0"/>
                 <a:ea typeface="Times New Roman" panose="02020603050405020304" pitchFamily="18" charset="0"/>
@@ -14105,7 +14099,7 @@
               <a:t>()  functionality can be formatted  to output an actual table. Let's first create a table on the MATLAB environment using the function </a:t>
             </a:r>
             <a:r>
-              <a:rPr lang="en-ZA" sz="1500" dirty="0">
+              <a:rPr lang="en-ZA" sz="1600" dirty="0">
                 <a:solidFill>
                   <a:srgbClr val="005FCE"/>
                 </a:solidFill>
@@ -14118,7 +14112,7 @@
               <a:t>table</a:t>
             </a:r>
             <a:r>
-              <a:rPr lang="en-ZA" sz="1500" dirty="0">
+              <a:rPr lang="en-ZA" sz="1600" dirty="0">
                 <a:effectLst/>
                 <a:latin typeface="Helvetica" panose="020B0604020202020204" pitchFamily="34" charset="0"/>
                 <a:ea typeface="Times New Roman" panose="02020603050405020304" pitchFamily="18" charset="0"/>
@@ -14144,7 +14138,7 @@
               <a:buNone/>
               <a:tabLst/>
             </a:pPr>
-            <a:endParaRPr kumimoji="0" lang="en-ZA" altLang="en-US" sz="1500" b="0" i="0" u="none" strike="noStrike" cap="none" normalizeH="0" baseline="0" dirty="0">
+            <a:endParaRPr kumimoji="0" lang="en-ZA" altLang="en-US" sz="1600" b="0" i="0" u="none" strike="noStrike" cap="none" normalizeH="0" baseline="0" dirty="0">
               <a:ln>
                 <a:noFill/>
               </a:ln>
@@ -14166,7 +14160,7 @@
               <a:buNone/>
             </a:pPr>
             <a:r>
-              <a:rPr lang="en-ZA" sz="1500" dirty="0" err="1">
+              <a:rPr lang="en-ZA" sz="1600" dirty="0" err="1">
                 <a:solidFill>
                   <a:srgbClr val="000000"/>
                 </a:solidFill>
@@ -14178,7 +14172,7 @@
               <a:t>LastName</a:t>
             </a:r>
             <a:r>
-              <a:rPr lang="en-ZA" sz="1500" dirty="0">
+              <a:rPr lang="en-ZA" sz="1600" dirty="0">
                 <a:solidFill>
                   <a:srgbClr val="000000"/>
                 </a:solidFill>
@@ -14190,7 +14184,7 @@
               <a:t> = {</a:t>
             </a:r>
             <a:r>
-              <a:rPr lang="en-ZA" sz="1500" dirty="0">
+              <a:rPr lang="en-ZA" sz="1600" dirty="0">
                 <a:solidFill>
                   <a:srgbClr val="AA04F9"/>
                 </a:solidFill>
@@ -14202,7 +14196,7 @@
               <a:t>'Sanchez'</a:t>
             </a:r>
             <a:r>
-              <a:rPr lang="en-ZA" sz="1500" dirty="0">
+              <a:rPr lang="en-ZA" sz="1600" dirty="0">
                 <a:solidFill>
                   <a:srgbClr val="000000"/>
                 </a:solidFill>
@@ -14214,7 +14208,7 @@
               <a:t>; </a:t>
             </a:r>
             <a:r>
-              <a:rPr lang="en-ZA" sz="1500" dirty="0">
+              <a:rPr lang="en-ZA" sz="1600" dirty="0">
                 <a:solidFill>
                   <a:srgbClr val="AA04F9"/>
                 </a:solidFill>
@@ -14226,7 +14220,7 @@
               <a:t>'Johnson'</a:t>
             </a:r>
             <a:r>
-              <a:rPr lang="en-ZA" sz="1500" dirty="0">
+              <a:rPr lang="en-ZA" sz="1600" dirty="0">
                 <a:solidFill>
                   <a:srgbClr val="000000"/>
                 </a:solidFill>
@@ -14238,7 +14232,7 @@
               <a:t>; </a:t>
             </a:r>
             <a:r>
-              <a:rPr lang="en-ZA" sz="1500" dirty="0">
+              <a:rPr lang="en-ZA" sz="1600" dirty="0">
                 <a:solidFill>
                   <a:srgbClr val="AA04F9"/>
                 </a:solidFill>
@@ -14250,7 +14244,7 @@
               <a:t>'Li'</a:t>
             </a:r>
             <a:r>
-              <a:rPr lang="en-ZA" sz="1500" dirty="0">
+              <a:rPr lang="en-ZA" sz="1600" dirty="0">
                 <a:solidFill>
                   <a:srgbClr val="000000"/>
                 </a:solidFill>
@@ -14262,7 +14256,7 @@
               <a:t>; </a:t>
             </a:r>
             <a:r>
-              <a:rPr lang="en-ZA" sz="1500" dirty="0">
+              <a:rPr lang="en-ZA" sz="1600" dirty="0">
                 <a:solidFill>
                   <a:srgbClr val="AA04F9"/>
                 </a:solidFill>
@@ -14274,7 +14268,7 @@
               <a:t>'Diaz'</a:t>
             </a:r>
             <a:r>
-              <a:rPr lang="en-ZA" sz="1500" dirty="0">
+              <a:rPr lang="en-ZA" sz="1600" dirty="0">
                 <a:solidFill>
                   <a:srgbClr val="000000"/>
                 </a:solidFill>
@@ -14286,7 +14280,7 @@
               <a:t>; </a:t>
             </a:r>
             <a:r>
-              <a:rPr lang="en-ZA" sz="1500" dirty="0">
+              <a:rPr lang="en-ZA" sz="1600" dirty="0">
                 <a:solidFill>
                   <a:srgbClr val="AA04F9"/>
                 </a:solidFill>
@@ -14298,7 +14292,7 @@
               <a:t>'Brown'</a:t>
             </a:r>
             <a:r>
-              <a:rPr lang="en-ZA" sz="1500" dirty="0">
+              <a:rPr lang="en-ZA" sz="1600" dirty="0">
                 <a:solidFill>
                   <a:srgbClr val="000000"/>
                 </a:solidFill>
@@ -14309,7 +14303,7 @@
               </a:rPr>
               <a:t>};</a:t>
             </a:r>
-            <a:endParaRPr lang="en-ZA" sz="1500" dirty="0">
+            <a:endParaRPr lang="en-ZA" sz="1600" dirty="0">
               <a:effectLst/>
               <a:latin typeface="Consolas" panose="020B0609020204030204" pitchFamily="49" charset="0"/>
               <a:ea typeface="Times New Roman" panose="02020603050405020304" pitchFamily="18" charset="0"/>
@@ -14324,7 +14318,7 @@
               <a:buNone/>
             </a:pPr>
             <a:r>
-              <a:rPr lang="en-ZA" sz="1500" dirty="0">
+              <a:rPr lang="en-ZA" sz="1600" dirty="0">
                 <a:solidFill>
                   <a:srgbClr val="000000"/>
                 </a:solidFill>
@@ -14335,7 +14329,7 @@
               </a:rPr>
               <a:t>Age = [38; 43; 38; 40; 49];</a:t>
             </a:r>
-            <a:endParaRPr lang="en-ZA" sz="1500" dirty="0">
+            <a:endParaRPr lang="en-ZA" sz="1600" dirty="0">
               <a:effectLst/>
               <a:latin typeface="Consolas" panose="020B0609020204030204" pitchFamily="49" charset="0"/>
               <a:ea typeface="Times New Roman" panose="02020603050405020304" pitchFamily="18" charset="0"/>
@@ -14350,7 +14344,7 @@
               <a:buNone/>
             </a:pPr>
             <a:r>
-              <a:rPr lang="en-ZA" sz="1500" dirty="0">
+              <a:rPr lang="en-ZA" sz="1600" dirty="0">
                 <a:solidFill>
                   <a:srgbClr val="000000"/>
                 </a:solidFill>
@@ -14361,7 +14355,7 @@
               </a:rPr>
               <a:t>Smoker = logical([1; 0; 1; 0; 1]);</a:t>
             </a:r>
-            <a:endParaRPr lang="en-ZA" sz="1500" dirty="0">
+            <a:endParaRPr lang="en-ZA" sz="1600" dirty="0">
               <a:effectLst/>
               <a:latin typeface="Consolas" panose="020B0609020204030204" pitchFamily="49" charset="0"/>
               <a:ea typeface="Times New Roman" panose="02020603050405020304" pitchFamily="18" charset="0"/>
@@ -14376,7 +14370,7 @@
               <a:buNone/>
             </a:pPr>
             <a:r>
-              <a:rPr lang="en-ZA" sz="1500" dirty="0">
+              <a:rPr lang="en-ZA" sz="1600" dirty="0">
                 <a:solidFill>
                   <a:srgbClr val="000000"/>
                 </a:solidFill>
@@ -14387,7 +14381,7 @@
               </a:rPr>
               <a:t>Height = [71; 69; 64; 67; 64];</a:t>
             </a:r>
-            <a:endParaRPr lang="en-ZA" sz="1500" dirty="0">
+            <a:endParaRPr lang="en-ZA" sz="1600" dirty="0">
               <a:effectLst/>
               <a:latin typeface="Consolas" panose="020B0609020204030204" pitchFamily="49" charset="0"/>
               <a:ea typeface="Times New Roman" panose="02020603050405020304" pitchFamily="18" charset="0"/>
@@ -14402,7 +14396,7 @@
               <a:buNone/>
             </a:pPr>
             <a:r>
-              <a:rPr lang="en-ZA" sz="1500" dirty="0">
+              <a:rPr lang="en-ZA" sz="1600" dirty="0">
                 <a:solidFill>
                   <a:srgbClr val="000000"/>
                 </a:solidFill>
@@ -14413,7 +14407,7 @@
               </a:rPr>
               <a:t>Weight = [176; 163; 131; 133; 119];</a:t>
             </a:r>
-            <a:endParaRPr lang="en-ZA" sz="1500" dirty="0">
+            <a:endParaRPr lang="en-ZA" sz="1600" dirty="0">
               <a:effectLst/>
               <a:latin typeface="Consolas" panose="020B0609020204030204" pitchFamily="49" charset="0"/>
               <a:ea typeface="Times New Roman" panose="02020603050405020304" pitchFamily="18" charset="0"/>
@@ -14428,7 +14422,7 @@
               <a:buNone/>
             </a:pPr>
             <a:r>
-              <a:rPr lang="en-ZA" sz="1500" dirty="0">
+              <a:rPr lang="en-ZA" sz="1600" dirty="0">
                 <a:solidFill>
                   <a:srgbClr val="000000"/>
                 </a:solidFill>
@@ -14439,7 +14433,7 @@
               </a:rPr>
               <a:t>BloodPressure1 = [124; 109 ; 125 ; 117 ; 122 ];</a:t>
             </a:r>
-            <a:endParaRPr lang="en-ZA" sz="1500" dirty="0">
+            <a:endParaRPr lang="en-ZA" sz="1600" dirty="0">
               <a:effectLst/>
               <a:latin typeface="Consolas" panose="020B0609020204030204" pitchFamily="49" charset="0"/>
               <a:ea typeface="Times New Roman" panose="02020603050405020304" pitchFamily="18" charset="0"/>
@@ -14454,7 +14448,7 @@
               <a:buNone/>
             </a:pPr>
             <a:r>
-              <a:rPr lang="en-ZA" sz="1500" dirty="0">
+              <a:rPr lang="en-ZA" sz="1600" dirty="0">
                 <a:solidFill>
                   <a:srgbClr val="000000"/>
                 </a:solidFill>
@@ -14465,7 +14459,7 @@
               </a:rPr>
               <a:t>BloodPressure2 = [73; 98; 101; 70; 1000000;];</a:t>
             </a:r>
-            <a:endParaRPr lang="en-ZA" sz="1500" dirty="0">
+            <a:endParaRPr lang="en-ZA" sz="1600" dirty="0">
               <a:effectLst/>
               <a:latin typeface="Consolas" panose="020B0609020204030204" pitchFamily="49" charset="0"/>
               <a:ea typeface="Times New Roman" panose="02020603050405020304" pitchFamily="18" charset="0"/>
@@ -14483,7 +14477,7 @@
               <a:buNone/>
             </a:pPr>
             <a:r>
-              <a:rPr lang="en-ZA" sz="1500" dirty="0">
+              <a:rPr lang="en-ZA" sz="1600" dirty="0">
                 <a:solidFill>
                   <a:srgbClr val="000000"/>
                 </a:solidFill>
@@ -14505,7 +14499,7 @@
               </a:spcAft>
               <a:buNone/>
             </a:pPr>
-            <a:endParaRPr lang="en-ZA" sz="1500" dirty="0">
+            <a:endParaRPr lang="en-ZA" sz="1600" dirty="0">
               <a:solidFill>
                 <a:srgbClr val="000000"/>
               </a:solidFill>
@@ -14567,7 +14561,7 @@
               </a:spcAft>
               <a:buNone/>
             </a:pPr>
-            <a:endParaRPr lang="en-ZA" sz="1500" dirty="0">
+            <a:endParaRPr lang="en-ZA" sz="1600" dirty="0">
               <a:solidFill>
                 <a:srgbClr val="000000"/>
               </a:solidFill>
@@ -14590,7 +14584,7 @@
               </a:spcAft>
               <a:buNone/>
             </a:pPr>
-            <a:endParaRPr kumimoji="0" lang="en-ZA" altLang="en-US" sz="1500" b="0" i="0" u="none" strike="noStrike" cap="none" normalizeH="0" baseline="0" dirty="0">
+            <a:endParaRPr kumimoji="0" lang="en-ZA" altLang="en-US" sz="1600" b="0" i="0" u="none" strike="noStrike" cap="none" normalizeH="0" baseline="0" dirty="0">
               <a:ln>
                 <a:noFill/>
               </a:ln>
@@ -14777,7 +14771,7 @@
         </p:nvSpPr>
         <p:spPr>
           <a:xfrm>
-            <a:off x="471538" y="1677296"/>
+            <a:off x="471538" y="1969127"/>
             <a:ext cx="8229600" cy="360000"/>
           </a:xfrm>
           <a:prstGeom prst="rect">
@@ -14916,7 +14910,7 @@
               <a:buNone/>
             </a:pPr>
             <a:r>
-              <a:rPr lang="en-ZA" sz="1400" dirty="0">
+              <a:rPr lang="en-ZA" sz="1600" dirty="0">
                 <a:effectLst/>
                 <a:latin typeface="Helvetica" panose="020B0604020202020204" pitchFamily="34" charset="0"/>
                 <a:ea typeface="Times New Roman" panose="02020603050405020304" pitchFamily="18" charset="0"/>
@@ -14942,7 +14936,7 @@
               </a:tabLst>
             </a:pPr>
             <a:r>
-              <a:rPr lang="en-ZA" sz="1400" dirty="0">
+              <a:rPr lang="en-ZA" sz="1600" dirty="0">
                 <a:solidFill>
                   <a:srgbClr val="000000"/>
                 </a:solidFill>
@@ -14954,7 +14948,7 @@
               <a:t>	</a:t>
             </a:r>
             <a:r>
-              <a:rPr lang="en-ZA" sz="1400" dirty="0" err="1">
+              <a:rPr lang="en-ZA" sz="1600" dirty="0" err="1">
                 <a:solidFill>
                   <a:srgbClr val="000000"/>
                 </a:solidFill>
@@ -14966,7 +14960,7 @@
               <a:t>writetable</a:t>
             </a:r>
             <a:r>
-              <a:rPr lang="en-ZA" sz="1400" dirty="0">
+              <a:rPr lang="en-ZA" sz="1600" dirty="0">
                 <a:solidFill>
                   <a:srgbClr val="000000"/>
                 </a:solidFill>
@@ -14978,7 +14972,7 @@
               <a:t>(T, </a:t>
             </a:r>
             <a:r>
-              <a:rPr lang="en-ZA" sz="1400" dirty="0">
+              <a:rPr lang="en-ZA" sz="1600" dirty="0">
                 <a:solidFill>
                   <a:srgbClr val="AA04F9"/>
                 </a:solidFill>
@@ -14990,7 +14984,7 @@
               <a:t>'myExampleTable.xlsx'</a:t>
             </a:r>
             <a:r>
-              <a:rPr lang="en-ZA" sz="1400" dirty="0">
+              <a:rPr lang="en-ZA" sz="1600" dirty="0">
                 <a:solidFill>
                   <a:srgbClr val="000000"/>
                 </a:solidFill>
@@ -15001,7 +14995,7 @@
               </a:rPr>
               <a:t>);</a:t>
             </a:r>
-            <a:endParaRPr lang="en-ZA" sz="1400" dirty="0">
+            <a:endParaRPr lang="en-ZA" sz="1600" dirty="0">
               <a:effectLst/>
               <a:latin typeface="Consolas" panose="020B0609020204030204" pitchFamily="49" charset="0"/>
               <a:ea typeface="Times New Roman" panose="02020603050405020304" pitchFamily="18" charset="0"/>
@@ -15021,7 +15015,7 @@
               </a:spcAft>
               <a:buNone/>
             </a:pPr>
-            <a:endParaRPr kumimoji="0" lang="en-ZA" altLang="en-US" sz="1400" b="0" i="0" u="none" strike="noStrike" cap="none" normalizeH="0" baseline="0" dirty="0">
+            <a:endParaRPr kumimoji="0" lang="en-ZA" altLang="en-US" sz="1600" b="0" i="0" u="none" strike="noStrike" cap="none" normalizeH="0" baseline="0" dirty="0">
               <a:ln>
                 <a:noFill/>
               </a:ln>
@@ -15208,7 +15202,7 @@
         </p:nvSpPr>
         <p:spPr>
           <a:xfrm>
-            <a:off x="452488" y="2439296"/>
+            <a:off x="452488" y="2721397"/>
             <a:ext cx="8229600" cy="720000"/>
           </a:xfrm>
           <a:prstGeom prst="rect">
@@ -15347,7 +15341,7 @@
               <a:buNone/>
             </a:pPr>
             <a:r>
-              <a:rPr lang="en-ZA" sz="1500" dirty="0">
+              <a:rPr lang="en-ZA" sz="1600" dirty="0">
                 <a:effectLst/>
                 <a:latin typeface="Helvetica" panose="020B0604020202020204" pitchFamily="34" charset="0"/>
                 <a:ea typeface="Times New Roman" panose="02020603050405020304" pitchFamily="18" charset="0"/>
@@ -15356,7 +15350,7 @@
               <a:t>Now that we have written the contents of the table to file, we can use the </a:t>
             </a:r>
             <a:r>
-              <a:rPr lang="en-ZA" sz="1500" dirty="0" err="1">
+              <a:rPr lang="en-ZA" sz="1600" dirty="0" err="1">
                 <a:solidFill>
                   <a:srgbClr val="005FCE"/>
                 </a:solidFill>
@@ -15369,7 +15363,7 @@
               <a:t>readtable</a:t>
             </a:r>
             <a:r>
-              <a:rPr lang="en-ZA" sz="1500" dirty="0">
+              <a:rPr lang="en-ZA" sz="1600" dirty="0">
                 <a:effectLst/>
                 <a:latin typeface="Helvetica" panose="020B0604020202020204" pitchFamily="34" charset="0"/>
                 <a:ea typeface="Times New Roman" panose="02020603050405020304" pitchFamily="18" charset="0"/>
@@ -15378,7 +15372,7 @@
               <a:t>() functionality to read the contents of the file into the MATLAB environment. Other input parameters can be specified in the </a:t>
             </a:r>
             <a:r>
-              <a:rPr lang="en-ZA" sz="1500" dirty="0" err="1">
+              <a:rPr lang="en-ZA" sz="1600" dirty="0" err="1">
                 <a:solidFill>
                   <a:srgbClr val="005FCE"/>
                 </a:solidFill>
@@ -15391,7 +15385,7 @@
               <a:t>readtable</a:t>
             </a:r>
             <a:r>
-              <a:rPr lang="en-ZA" sz="1500" dirty="0">
+              <a:rPr lang="en-ZA" sz="1600" dirty="0">
                 <a:effectLst/>
                 <a:latin typeface="Helvetica" panose="020B0604020202020204" pitchFamily="34" charset="0"/>
                 <a:ea typeface="Times New Roman" panose="02020603050405020304" pitchFamily="18" charset="0"/>
@@ -15400,7 +15394,7 @@
               <a:t>() function which can assist with the formatting of a table, to see more of these options  read the MATLAB </a:t>
             </a:r>
             <a:r>
-              <a:rPr lang="en-ZA" sz="1500" dirty="0">
+              <a:rPr lang="en-ZA" sz="1600" dirty="0">
                 <a:solidFill>
                   <a:srgbClr val="005FCE"/>
                 </a:solidFill>
@@ -15413,7 +15407,7 @@
               <a:t>documentation</a:t>
             </a:r>
             <a:r>
-              <a:rPr lang="en-ZA" sz="1500" dirty="0">
+              <a:rPr lang="en-ZA" sz="1600" dirty="0">
                 <a:effectLst/>
                 <a:latin typeface="Helvetica" panose="020B0604020202020204" pitchFamily="34" charset="0"/>
                 <a:ea typeface="Times New Roman" panose="02020603050405020304" pitchFamily="18" charset="0"/>
@@ -15422,7 +15416,7 @@
               <a:t> on </a:t>
             </a:r>
             <a:r>
-              <a:rPr lang="en-ZA" sz="1500" dirty="0" err="1">
+              <a:rPr lang="en-ZA" sz="1600" dirty="0" err="1">
                 <a:solidFill>
                   <a:srgbClr val="005FCE"/>
                 </a:solidFill>
@@ -15435,7 +15429,7 @@
               <a:t>readtable</a:t>
             </a:r>
             <a:r>
-              <a:rPr lang="en-ZA" sz="1500" dirty="0">
+              <a:rPr lang="en-ZA" sz="1600" dirty="0">
                 <a:effectLst/>
                 <a:latin typeface="Helvetica" panose="020B0604020202020204" pitchFamily="34" charset="0"/>
                 <a:ea typeface="Times New Roman" panose="02020603050405020304" pitchFamily="18" charset="0"/>
@@ -15458,7 +15452,7 @@
               </a:tabLst>
             </a:pPr>
             <a:r>
-              <a:rPr lang="en-ZA" sz="1500" dirty="0">
+              <a:rPr lang="en-ZA" sz="1600" dirty="0">
                 <a:solidFill>
                   <a:srgbClr val="000000"/>
                 </a:solidFill>
@@ -15469,7 +15463,7 @@
               </a:rPr>
               <a:t>	clear</a:t>
             </a:r>
-            <a:endParaRPr lang="en-ZA" sz="1500" dirty="0">
+            <a:endParaRPr lang="en-ZA" sz="1600" dirty="0">
               <a:effectLst/>
               <a:latin typeface="Consolas" panose="020B0609020204030204" pitchFamily="49" charset="0"/>
               <a:ea typeface="Times New Roman" panose="02020603050405020304" pitchFamily="18" charset="0"/>
@@ -15490,7 +15484,7 @@
               </a:tabLst>
             </a:pPr>
             <a:r>
-              <a:rPr lang="en-ZA" sz="1500" dirty="0">
+              <a:rPr lang="en-ZA" sz="1600" dirty="0">
                 <a:solidFill>
                   <a:srgbClr val="000000"/>
                 </a:solidFill>
@@ -15502,7 +15496,7 @@
               <a:t>	T = </a:t>
             </a:r>
             <a:r>
-              <a:rPr lang="en-ZA" sz="1500" dirty="0" err="1">
+              <a:rPr lang="en-ZA" sz="1600" dirty="0" err="1">
                 <a:solidFill>
                   <a:srgbClr val="000000"/>
                 </a:solidFill>
@@ -15514,7 +15508,7 @@
               <a:t>readtable</a:t>
             </a:r>
             <a:r>
-              <a:rPr lang="en-ZA" sz="1500" dirty="0">
+              <a:rPr lang="en-ZA" sz="1600" dirty="0">
                 <a:solidFill>
                   <a:srgbClr val="000000"/>
                 </a:solidFill>
@@ -15526,7 +15520,7 @@
               <a:t>(</a:t>
             </a:r>
             <a:r>
-              <a:rPr lang="en-ZA" sz="1500" dirty="0">
+              <a:rPr lang="en-ZA" sz="1600" dirty="0">
                 <a:solidFill>
                   <a:srgbClr val="AA04F9"/>
                 </a:solidFill>
@@ -15538,7 +15532,7 @@
               <a:t>'myExampleTable.xlsx'</a:t>
             </a:r>
             <a:r>
-              <a:rPr lang="en-ZA" sz="1500" dirty="0">
+              <a:rPr lang="en-ZA" sz="1600" dirty="0">
                 <a:solidFill>
                   <a:srgbClr val="000000"/>
                 </a:solidFill>
@@ -15549,7 +15543,7 @@
               </a:rPr>
               <a:t>)</a:t>
             </a:r>
-            <a:endParaRPr lang="en-ZA" sz="1500" dirty="0">
+            <a:endParaRPr lang="en-ZA" sz="1600" dirty="0">
               <a:effectLst/>
               <a:latin typeface="Consolas" panose="020B0609020204030204" pitchFamily="49" charset="0"/>
               <a:ea typeface="Times New Roman" panose="02020603050405020304" pitchFamily="18" charset="0"/>
@@ -15570,7 +15564,7 @@
               <a:buNone/>
             </a:pPr>
             <a:r>
-              <a:rPr lang="en-ZA" sz="1500" dirty="0">
+              <a:rPr lang="en-ZA" sz="1600" dirty="0">
                 <a:effectLst/>
                 <a:latin typeface="Helvetica" panose="020B0604020202020204" pitchFamily="34" charset="0"/>
                 <a:ea typeface="Times New Roman" panose="02020603050405020304" pitchFamily="18" charset="0"/>
@@ -15579,7 +15573,7 @@
               <a:t>An interactive and alternative approach to reading a file is to use the built in Graphical User Interface (GUI) for importing data into MATLAB called "Import Data". Watch a quick video on how this app can be used </a:t>
             </a:r>
             <a:r>
-              <a:rPr lang="en-ZA" sz="1500" dirty="0">
+              <a:rPr lang="en-ZA" sz="1600" dirty="0">
                 <a:solidFill>
                   <a:srgbClr val="005FCE"/>
                 </a:solidFill>
@@ -15592,7 +15586,7 @@
               <a:t>here</a:t>
             </a:r>
             <a:r>
-              <a:rPr lang="en-ZA" sz="1500" dirty="0">
+              <a:rPr lang="en-ZA" sz="1600" dirty="0">
                 <a:effectLst/>
                 <a:latin typeface="Helvetica" panose="020B0604020202020204" pitchFamily="34" charset="0"/>
                 <a:ea typeface="Times New Roman" panose="02020603050405020304" pitchFamily="18" charset="0"/>
